--- a/presentation/presentation 2 PPT.pptx
+++ b/presentation/presentation 2 PPT.pptx
@@ -10,9 +10,13 @@
     <p:sldId id="258" r:id="rId4"/>
     <p:sldId id="259" r:id="rId5"/>
     <p:sldId id="260" r:id="rId6"/>
-    <p:sldId id="261" r:id="rId7"/>
-    <p:sldId id="262" r:id="rId8"/>
-    <p:sldId id="264" r:id="rId9"/>
+    <p:sldId id="265" r:id="rId7"/>
+    <p:sldId id="267" r:id="rId8"/>
+    <p:sldId id="261" r:id="rId9"/>
+    <p:sldId id="266" r:id="rId10"/>
+    <p:sldId id="262" r:id="rId11"/>
+    <p:sldId id="268" r:id="rId12"/>
+    <p:sldId id="264" r:id="rId13"/>
   </p:sldIdLst>
   <p:sldSz cx="12192000" cy="6858000"/>
   <p:notesSz cx="6858000" cy="9144000"/>
@@ -111,6 +115,11 @@
       </a:defRPr>
     </a:lvl9pPr>
   </p:defaultTextStyle>
+  <p:extLst>
+    <p:ext uri="{EFAFB233-063F-42B5-8137-9DF3F51BA10A}">
+      <p15:sldGuideLst xmlns:p15="http://schemas.microsoft.com/office/powerpoint/2012/main"/>
+    </p:ext>
+  </p:extLst>
 </p:presentation>
 </file>
 
@@ -200,7 +209,7 @@
           </a:lstStyle>
           <a:p>
             <a:r>
-              <a:rPr lang="en-US" smtClean="0"/>
+              <a:rPr lang="en-US"/>
               <a:t>Click to edit Master title style</a:t>
             </a:r>
             <a:endParaRPr lang="en-US" dirty="0"/>
@@ -319,7 +328,7 @@
           </a:lstStyle>
           <a:p>
             <a:r>
-              <a:rPr lang="en-US" smtClean="0"/>
+              <a:rPr lang="en-US"/>
               <a:t>Click to edit Master subtitle style</a:t>
             </a:r>
             <a:endParaRPr lang="en-US" dirty="0"/>
@@ -360,7 +369,7 @@
             <a:fld id="{B61BEF0D-F0BB-DE4B-95CE-6DB70DBA9567}" type="datetimeFigureOut">
               <a:rPr lang="en-US" dirty="0"/>
               <a:pPr/>
-              <a:t>4/24/2022</a:t>
+              <a:t>4/25/2022</a:t>
             </a:fld>
             <a:endParaRPr lang="en-US" dirty="0"/>
           </a:p>
@@ -526,7 +535,7 @@
           <a:lstStyle/>
           <a:p>
             <a:r>
-              <a:rPr lang="en-US" smtClean="0"/>
+              <a:rPr lang="en-US"/>
               <a:t>Click to edit Master title style</a:t>
             </a:r>
             <a:endParaRPr lang="en-US" dirty="0"/>
@@ -566,35 +575,35 @@
           <a:p>
             <a:pPr lvl="0"/>
             <a:r>
-              <a:rPr lang="en-US" smtClean="0"/>
+              <a:rPr lang="en-US"/>
               <a:t>Edit Master text styles</a:t>
             </a:r>
           </a:p>
           <a:p>
             <a:pPr lvl="1"/>
             <a:r>
-              <a:rPr lang="en-US" smtClean="0"/>
+              <a:rPr lang="en-US"/>
               <a:t>Second level</a:t>
             </a:r>
           </a:p>
           <a:p>
             <a:pPr lvl="2"/>
             <a:r>
-              <a:rPr lang="en-US" smtClean="0"/>
+              <a:rPr lang="en-US"/>
               <a:t>Third level</a:t>
             </a:r>
           </a:p>
           <a:p>
             <a:pPr lvl="3"/>
             <a:r>
-              <a:rPr lang="en-US" smtClean="0"/>
+              <a:rPr lang="en-US"/>
               <a:t>Fourth level</a:t>
             </a:r>
           </a:p>
           <a:p>
             <a:pPr lvl="4"/>
             <a:r>
-              <a:rPr lang="en-US" smtClean="0"/>
+              <a:rPr lang="en-US"/>
               <a:t>Fifth level</a:t>
             </a:r>
             <a:endParaRPr lang="en-US" dirty="0"/>
@@ -619,7 +628,7 @@
             <a:fld id="{B61BEF0D-F0BB-DE4B-95CE-6DB70DBA9567}" type="datetimeFigureOut">
               <a:rPr lang="en-US" dirty="0"/>
               <a:pPr/>
-              <a:t>4/24/2022</a:t>
+              <a:t>4/25/2022</a:t>
             </a:fld>
             <a:endParaRPr lang="en-US" dirty="0"/>
           </a:p>
@@ -753,7 +762,7 @@
           <a:lstStyle/>
           <a:p>
             <a:r>
-              <a:rPr lang="en-US" smtClean="0"/>
+              <a:rPr lang="en-US"/>
               <a:t>Click to edit Master title style</a:t>
             </a:r>
             <a:endParaRPr lang="en-US" dirty="0"/>
@@ -782,35 +791,35 @@
           <a:p>
             <a:pPr lvl="0"/>
             <a:r>
-              <a:rPr lang="en-US" smtClean="0"/>
+              <a:rPr lang="en-US"/>
               <a:t>Edit Master text styles</a:t>
             </a:r>
           </a:p>
           <a:p>
             <a:pPr lvl="1"/>
             <a:r>
-              <a:rPr lang="en-US" smtClean="0"/>
+              <a:rPr lang="en-US"/>
               <a:t>Second level</a:t>
             </a:r>
           </a:p>
           <a:p>
             <a:pPr lvl="2"/>
             <a:r>
-              <a:rPr lang="en-US" smtClean="0"/>
+              <a:rPr lang="en-US"/>
               <a:t>Third level</a:t>
             </a:r>
           </a:p>
           <a:p>
             <a:pPr lvl="3"/>
             <a:r>
-              <a:rPr lang="en-US" smtClean="0"/>
+              <a:rPr lang="en-US"/>
               <a:t>Fourth level</a:t>
             </a:r>
           </a:p>
           <a:p>
             <a:pPr lvl="4"/>
             <a:r>
-              <a:rPr lang="en-US" smtClean="0"/>
+              <a:rPr lang="en-US"/>
               <a:t>Fifth level</a:t>
             </a:r>
             <a:endParaRPr lang="en-US" dirty="0"/>
@@ -851,7 +860,7 @@
             <a:fld id="{B61BEF0D-F0BB-DE4B-95CE-6DB70DBA9567}" type="datetimeFigureOut">
               <a:rPr lang="en-US" dirty="0"/>
               <a:pPr/>
-              <a:t>4/24/2022</a:t>
+              <a:t>4/25/2022</a:t>
             </a:fld>
             <a:endParaRPr lang="en-US" dirty="0"/>
           </a:p>
@@ -1006,7 +1015,7 @@
           <a:lstStyle/>
           <a:p>
             <a:r>
-              <a:rPr lang="en-US" smtClean="0"/>
+              <a:rPr lang="en-US"/>
               <a:t>Click to edit Master title style</a:t>
             </a:r>
             <a:endParaRPr lang="en-US" dirty="0"/>
@@ -1035,35 +1044,35 @@
           <a:p>
             <a:pPr lvl="0"/>
             <a:r>
-              <a:rPr lang="en-US" smtClean="0"/>
+              <a:rPr lang="en-US"/>
               <a:t>Edit Master text styles</a:t>
             </a:r>
           </a:p>
           <a:p>
             <a:pPr lvl="1"/>
             <a:r>
-              <a:rPr lang="en-US" smtClean="0"/>
+              <a:rPr lang="en-US"/>
               <a:t>Second level</a:t>
             </a:r>
           </a:p>
           <a:p>
             <a:pPr lvl="2"/>
             <a:r>
-              <a:rPr lang="en-US" smtClean="0"/>
+              <a:rPr lang="en-US"/>
               <a:t>Third level</a:t>
             </a:r>
           </a:p>
           <a:p>
             <a:pPr lvl="3"/>
             <a:r>
-              <a:rPr lang="en-US" smtClean="0"/>
+              <a:rPr lang="en-US"/>
               <a:t>Fourth level</a:t>
             </a:r>
           </a:p>
           <a:p>
             <a:pPr lvl="4"/>
             <a:r>
-              <a:rPr lang="en-US" smtClean="0"/>
+              <a:rPr lang="en-US"/>
               <a:t>Fifth level</a:t>
             </a:r>
             <a:endParaRPr lang="en-US" dirty="0"/>
@@ -1088,7 +1097,7 @@
             <a:fld id="{B61BEF0D-F0BB-DE4B-95CE-6DB70DBA9567}" type="datetimeFigureOut">
               <a:rPr lang="en-US" dirty="0"/>
               <a:pPr/>
-              <a:t>4/24/2022</a:t>
+              <a:t>4/25/2022</a:t>
             </a:fld>
             <a:endParaRPr lang="en-US" dirty="0"/>
           </a:p>
@@ -1237,7 +1246,7 @@
           </a:lstStyle>
           <a:p>
             <a:r>
-              <a:rPr lang="en-US" smtClean="0"/>
+              <a:rPr lang="en-US"/>
               <a:t>Click to edit Master title style</a:t>
             </a:r>
             <a:endParaRPr lang="en-US" dirty="0"/>
@@ -1357,7 +1366,7 @@
           <a:p>
             <a:pPr lvl="0"/>
             <a:r>
-              <a:rPr lang="en-US" smtClean="0"/>
+              <a:rPr lang="en-US"/>
               <a:t>Edit Master text styles</a:t>
             </a:r>
           </a:p>
@@ -1392,7 +1401,7 @@
             <a:fld id="{B61BEF0D-F0BB-DE4B-95CE-6DB70DBA9567}" type="datetimeFigureOut">
               <a:rPr lang="en-US" dirty="0"/>
               <a:pPr/>
-              <a:t>4/24/2022</a:t>
+              <a:t>4/25/2022</a:t>
             </a:fld>
             <a:endParaRPr lang="en-US" dirty="0"/>
           </a:p>
@@ -1548,7 +1557,7 @@
           <a:lstStyle/>
           <a:p>
             <a:r>
-              <a:rPr lang="en-US" smtClean="0"/>
+              <a:rPr lang="en-US"/>
               <a:t>Click to edit Master title style</a:t>
             </a:r>
             <a:endParaRPr lang="en-US" dirty="0"/>
@@ -1579,35 +1588,35 @@
           <a:p>
             <a:pPr lvl="0"/>
             <a:r>
-              <a:rPr lang="en-US" smtClean="0"/>
+              <a:rPr lang="en-US"/>
               <a:t>Edit Master text styles</a:t>
             </a:r>
           </a:p>
           <a:p>
             <a:pPr lvl="1"/>
             <a:r>
-              <a:rPr lang="en-US" smtClean="0"/>
+              <a:rPr lang="en-US"/>
               <a:t>Second level</a:t>
             </a:r>
           </a:p>
           <a:p>
             <a:pPr lvl="2"/>
             <a:r>
-              <a:rPr lang="en-US" smtClean="0"/>
+              <a:rPr lang="en-US"/>
               <a:t>Third level</a:t>
             </a:r>
           </a:p>
           <a:p>
             <a:pPr lvl="3"/>
             <a:r>
-              <a:rPr lang="en-US" smtClean="0"/>
+              <a:rPr lang="en-US"/>
               <a:t>Fourth level</a:t>
             </a:r>
           </a:p>
           <a:p>
             <a:pPr lvl="4"/>
             <a:r>
-              <a:rPr lang="en-US" smtClean="0"/>
+              <a:rPr lang="en-US"/>
               <a:t>Fifth level</a:t>
             </a:r>
             <a:endParaRPr lang="en-US" dirty="0"/>
@@ -1638,35 +1647,35 @@
           <a:p>
             <a:pPr lvl="0"/>
             <a:r>
-              <a:rPr lang="en-US" smtClean="0"/>
+              <a:rPr lang="en-US"/>
               <a:t>Edit Master text styles</a:t>
             </a:r>
           </a:p>
           <a:p>
             <a:pPr lvl="1"/>
             <a:r>
-              <a:rPr lang="en-US" smtClean="0"/>
+              <a:rPr lang="en-US"/>
               <a:t>Second level</a:t>
             </a:r>
           </a:p>
           <a:p>
             <a:pPr lvl="2"/>
             <a:r>
-              <a:rPr lang="en-US" smtClean="0"/>
+              <a:rPr lang="en-US"/>
               <a:t>Third level</a:t>
             </a:r>
           </a:p>
           <a:p>
             <a:pPr lvl="3"/>
             <a:r>
-              <a:rPr lang="en-US" smtClean="0"/>
+              <a:rPr lang="en-US"/>
               <a:t>Fourth level</a:t>
             </a:r>
           </a:p>
           <a:p>
             <a:pPr lvl="4"/>
             <a:r>
-              <a:rPr lang="en-US" smtClean="0"/>
+              <a:rPr lang="en-US"/>
               <a:t>Fifth level</a:t>
             </a:r>
             <a:endParaRPr lang="en-US" dirty="0"/>
@@ -1691,7 +1700,7 @@
             <a:fld id="{B61BEF0D-F0BB-DE4B-95CE-6DB70DBA9567}" type="datetimeFigureOut">
               <a:rPr lang="en-US" dirty="0"/>
               <a:pPr/>
-              <a:t>4/24/2022</a:t>
+              <a:t>4/25/2022</a:t>
             </a:fld>
             <a:endParaRPr lang="en-US" dirty="0"/>
           </a:p>
@@ -1825,7 +1834,7 @@
           <a:lstStyle/>
           <a:p>
             <a:r>
-              <a:rPr lang="en-US" smtClean="0"/>
+              <a:rPr lang="en-US"/>
               <a:t>Click to edit Master title style</a:t>
             </a:r>
             <a:endParaRPr lang="en-US" dirty="0"/>
@@ -1897,7 +1906,7 @@
           <a:p>
             <a:pPr lvl="0"/>
             <a:r>
-              <a:rPr lang="en-US" smtClean="0"/>
+              <a:rPr lang="en-US"/>
               <a:t>Edit Master text styles</a:t>
             </a:r>
           </a:p>
@@ -1927,35 +1936,35 @@
           <a:p>
             <a:pPr lvl="0"/>
             <a:r>
-              <a:rPr lang="en-US" smtClean="0"/>
+              <a:rPr lang="en-US"/>
               <a:t>Edit Master text styles</a:t>
             </a:r>
           </a:p>
           <a:p>
             <a:pPr lvl="1"/>
             <a:r>
-              <a:rPr lang="en-US" smtClean="0"/>
+              <a:rPr lang="en-US"/>
               <a:t>Second level</a:t>
             </a:r>
           </a:p>
           <a:p>
             <a:pPr lvl="2"/>
             <a:r>
-              <a:rPr lang="en-US" smtClean="0"/>
+              <a:rPr lang="en-US"/>
               <a:t>Third level</a:t>
             </a:r>
           </a:p>
           <a:p>
             <a:pPr lvl="3"/>
             <a:r>
-              <a:rPr lang="en-US" smtClean="0"/>
+              <a:rPr lang="en-US"/>
               <a:t>Fourth level</a:t>
             </a:r>
           </a:p>
           <a:p>
             <a:pPr lvl="4"/>
             <a:r>
-              <a:rPr lang="en-US" smtClean="0"/>
+              <a:rPr lang="en-US"/>
               <a:t>Fifth level</a:t>
             </a:r>
             <a:endParaRPr lang="en-US" dirty="0"/>
@@ -2027,7 +2036,7 @@
           <a:p>
             <a:pPr lvl="0"/>
             <a:r>
-              <a:rPr lang="en-US" smtClean="0"/>
+              <a:rPr lang="en-US"/>
               <a:t>Edit Master text styles</a:t>
             </a:r>
           </a:p>
@@ -2057,35 +2066,35 @@
           <a:p>
             <a:pPr lvl="0"/>
             <a:r>
-              <a:rPr lang="en-US" smtClean="0"/>
+              <a:rPr lang="en-US"/>
               <a:t>Edit Master text styles</a:t>
             </a:r>
           </a:p>
           <a:p>
             <a:pPr lvl="1"/>
             <a:r>
-              <a:rPr lang="en-US" smtClean="0"/>
+              <a:rPr lang="en-US"/>
               <a:t>Second level</a:t>
             </a:r>
           </a:p>
           <a:p>
             <a:pPr lvl="2"/>
             <a:r>
-              <a:rPr lang="en-US" smtClean="0"/>
+              <a:rPr lang="en-US"/>
               <a:t>Third level</a:t>
             </a:r>
           </a:p>
           <a:p>
             <a:pPr lvl="3"/>
             <a:r>
-              <a:rPr lang="en-US" smtClean="0"/>
+              <a:rPr lang="en-US"/>
               <a:t>Fourth level</a:t>
             </a:r>
           </a:p>
           <a:p>
             <a:pPr lvl="4"/>
             <a:r>
-              <a:rPr lang="en-US" smtClean="0"/>
+              <a:rPr lang="en-US"/>
               <a:t>Fifth level</a:t>
             </a:r>
             <a:endParaRPr lang="en-US" dirty="0"/>
@@ -2110,7 +2119,7 @@
             <a:fld id="{B61BEF0D-F0BB-DE4B-95CE-6DB70DBA9567}" type="datetimeFigureOut">
               <a:rPr lang="en-US" dirty="0"/>
               <a:pPr/>
-              <a:t>4/24/2022</a:t>
+              <a:t>4/25/2022</a:t>
             </a:fld>
             <a:endParaRPr lang="en-US" dirty="0"/>
           </a:p>
@@ -2202,7 +2211,7 @@
             <a:fld id="{B61BEF0D-F0BB-DE4B-95CE-6DB70DBA9567}" type="datetimeFigureOut">
               <a:rPr lang="en-US" dirty="0"/>
               <a:pPr/>
-              <a:t>4/24/2022</a:t>
+              <a:t>4/25/2022</a:t>
             </a:fld>
             <a:endParaRPr lang="en-US" dirty="0"/>
           </a:p>
@@ -2311,7 +2320,7 @@
           <a:lstStyle/>
           <a:p>
             <a:r>
-              <a:rPr lang="en-US" smtClean="0"/>
+              <a:rPr lang="en-US"/>
               <a:t>Click to edit Master title style</a:t>
             </a:r>
             <a:endParaRPr lang="en-US" dirty="0"/>
@@ -2361,7 +2370,7 @@
             <a:fld id="{B61BEF0D-F0BB-DE4B-95CE-6DB70DBA9567}" type="datetimeFigureOut">
               <a:rPr lang="en-US" dirty="0"/>
               <a:pPr/>
-              <a:t>4/24/2022</a:t>
+              <a:t>4/25/2022</a:t>
             </a:fld>
             <a:endParaRPr lang="en-US" dirty="0"/>
           </a:p>
@@ -2506,7 +2515,7 @@
           </a:lstStyle>
           <a:p>
             <a:r>
-              <a:rPr lang="en-US" smtClean="0"/>
+              <a:rPr lang="en-US"/>
               <a:t>Click to edit Master title style</a:t>
             </a:r>
             <a:endParaRPr lang="en-US" dirty="0"/>
@@ -2601,35 +2610,35 @@
           <a:p>
             <a:pPr lvl="0"/>
             <a:r>
-              <a:rPr lang="en-US" smtClean="0"/>
+              <a:rPr lang="en-US"/>
               <a:t>Edit Master text styles</a:t>
             </a:r>
           </a:p>
           <a:p>
             <a:pPr lvl="1"/>
             <a:r>
-              <a:rPr lang="en-US" smtClean="0"/>
+              <a:rPr lang="en-US"/>
               <a:t>Second level</a:t>
             </a:r>
           </a:p>
           <a:p>
             <a:pPr lvl="2"/>
             <a:r>
-              <a:rPr lang="en-US" smtClean="0"/>
+              <a:rPr lang="en-US"/>
               <a:t>Third level</a:t>
             </a:r>
           </a:p>
           <a:p>
             <a:pPr lvl="3"/>
             <a:r>
-              <a:rPr lang="en-US" smtClean="0"/>
+              <a:rPr lang="en-US"/>
               <a:t>Fourth level</a:t>
             </a:r>
           </a:p>
           <a:p>
             <a:pPr lvl="4"/>
             <a:r>
-              <a:rPr lang="en-US" smtClean="0"/>
+              <a:rPr lang="en-US"/>
               <a:t>Fifth level</a:t>
             </a:r>
             <a:endParaRPr lang="en-US" dirty="0"/>
@@ -2701,7 +2710,7 @@
           <a:p>
             <a:pPr lvl="0"/>
             <a:r>
-              <a:rPr lang="en-US" smtClean="0"/>
+              <a:rPr lang="en-US"/>
               <a:t>Edit Master text styles</a:t>
             </a:r>
           </a:p>
@@ -2736,7 +2745,7 @@
             <a:fld id="{B61BEF0D-F0BB-DE4B-95CE-6DB70DBA9567}" type="datetimeFigureOut">
               <a:rPr lang="en-US" dirty="0"/>
               <a:pPr/>
-              <a:t>4/24/2022</a:t>
+              <a:t>4/25/2022</a:t>
             </a:fld>
             <a:endParaRPr lang="en-US" dirty="0"/>
           </a:p>
@@ -2863,7 +2872,7 @@
           </a:lstStyle>
           <a:p>
             <a:r>
-              <a:rPr lang="en-US" smtClean="0"/>
+              <a:rPr lang="en-US"/>
               <a:t>Click to edit Master title style</a:t>
             </a:r>
             <a:endParaRPr lang="en-US" dirty="0"/>
@@ -2930,7 +2939,7 @@
           </a:lstStyle>
           <a:p>
             <a:r>
-              <a:rPr lang="en-US" smtClean="0"/>
+              <a:rPr lang="en-US"/>
               <a:t>Click icon to add picture</a:t>
             </a:r>
             <a:endParaRPr lang="en-US" dirty="0"/>
@@ -2998,7 +3007,7 @@
           <a:p>
             <a:pPr lvl="0"/>
             <a:r>
-              <a:rPr lang="en-US" smtClean="0"/>
+              <a:rPr lang="en-US"/>
               <a:t>Edit Master text styles</a:t>
             </a:r>
           </a:p>
@@ -3022,7 +3031,7 @@
             <a:fld id="{B61BEF0D-F0BB-DE4B-95CE-6DB70DBA9567}" type="datetimeFigureOut">
               <a:rPr lang="en-US" dirty="0"/>
               <a:pPr/>
-              <a:t>4/24/2022</a:t>
+              <a:t>4/25/2022</a:t>
             </a:fld>
             <a:endParaRPr lang="en-US" dirty="0"/>
           </a:p>
@@ -3127,7 +3136,7 @@
           <a:lstStyle/>
           <a:p>
             <a:r>
-              <a:rPr lang="en-US" smtClean="0"/>
+              <a:rPr lang="en-US"/>
               <a:t>Click to edit Master title style</a:t>
             </a:r>
             <a:endParaRPr lang="en-US" dirty="0"/>
@@ -3161,35 +3170,35 @@
           <a:p>
             <a:pPr lvl="0"/>
             <a:r>
-              <a:rPr lang="en-US" smtClean="0"/>
+              <a:rPr lang="en-US"/>
               <a:t>Edit Master text styles</a:t>
             </a:r>
           </a:p>
           <a:p>
             <a:pPr lvl="1"/>
             <a:r>
-              <a:rPr lang="en-US" smtClean="0"/>
+              <a:rPr lang="en-US"/>
               <a:t>Second level</a:t>
             </a:r>
           </a:p>
           <a:p>
             <a:pPr lvl="2"/>
             <a:r>
-              <a:rPr lang="en-US" smtClean="0"/>
+              <a:rPr lang="en-US"/>
               <a:t>Third level</a:t>
             </a:r>
           </a:p>
           <a:p>
             <a:pPr lvl="3"/>
             <a:r>
-              <a:rPr lang="en-US" smtClean="0"/>
+              <a:rPr lang="en-US"/>
               <a:t>Fourth level</a:t>
             </a:r>
           </a:p>
           <a:p>
             <a:pPr lvl="4"/>
             <a:r>
-              <a:rPr lang="en-US" smtClean="0"/>
+              <a:rPr lang="en-US"/>
               <a:t>Fifth level</a:t>
             </a:r>
             <a:endParaRPr lang="en-US" dirty="0"/>
@@ -3230,7 +3239,7 @@
             <a:fld id="{B61BEF0D-F0BB-DE4B-95CE-6DB70DBA9567}" type="datetimeFigureOut">
               <a:rPr lang="en-US" dirty="0"/>
               <a:pPr/>
-              <a:t>4/24/2022</a:t>
+              <a:t>4/25/2022</a:t>
             </a:fld>
             <a:endParaRPr lang="en-US" dirty="0"/>
           </a:p>
@@ -3844,10 +3853,9 @@
           <a:p>
             <a:pPr algn="ctr"/>
             <a:r>
-              <a:rPr lang="en-US" dirty="0" smtClean="0"/>
+              <a:rPr lang="en-US" dirty="0"/>
               <a:t>ANDROID STUDIO</a:t>
             </a:r>
-            <a:endParaRPr lang="en-US" dirty="0"/>
           </a:p>
         </p:txBody>
       </p:sp>
@@ -3873,19 +3881,19 @@
               <a:buNone/>
             </a:pPr>
             <a:r>
-              <a:rPr lang="en-US" dirty="0" err="1" smtClean="0"/>
+              <a:rPr lang="en-US" dirty="0" err="1"/>
               <a:t>Bhanu</a:t>
             </a:r>
             <a:r>
-              <a:rPr lang="en-US" dirty="0" smtClean="0"/>
+              <a:rPr lang="en-US" dirty="0"/>
               <a:t> </a:t>
             </a:r>
             <a:r>
-              <a:rPr lang="en-US" dirty="0" err="1" smtClean="0"/>
+              <a:rPr lang="en-US" dirty="0" err="1"/>
               <a:t>Manoj</a:t>
             </a:r>
             <a:r>
-              <a:rPr lang="en-US" dirty="0" smtClean="0"/>
+              <a:rPr lang="en-US" dirty="0"/>
               <a:t> Bade</a:t>
             </a:r>
           </a:p>
@@ -3897,23 +3905,23 @@
               <a:buNone/>
             </a:pPr>
             <a:r>
-              <a:rPr lang="en-US" dirty="0" err="1" smtClean="0"/>
+              <a:rPr lang="en-US" dirty="0" err="1"/>
               <a:t>Nagendra</a:t>
             </a:r>
             <a:r>
-              <a:rPr lang="en-US" dirty="0" smtClean="0"/>
+              <a:rPr lang="en-US" dirty="0"/>
               <a:t> </a:t>
             </a:r>
             <a:r>
-              <a:rPr lang="en-US" dirty="0" err="1" smtClean="0"/>
+              <a:rPr lang="en-US" dirty="0" err="1"/>
               <a:t>Babu</a:t>
             </a:r>
             <a:r>
-              <a:rPr lang="en-US" dirty="0" smtClean="0"/>
+              <a:rPr lang="en-US" dirty="0"/>
               <a:t> </a:t>
             </a:r>
             <a:r>
-              <a:rPr lang="en-US" dirty="0" err="1" smtClean="0"/>
+              <a:rPr lang="en-US" dirty="0" err="1"/>
               <a:t>Dosapati</a:t>
             </a:r>
             <a:endParaRPr lang="en-US" dirty="0"/>
@@ -3924,6 +3932,397 @@
     <p:extLst>
       <p:ext uri="{BB962C8B-B14F-4D97-AF65-F5344CB8AC3E}">
         <p14:creationId xmlns:p14="http://schemas.microsoft.com/office/powerpoint/2010/main" val="1608993113"/>
+      </p:ext>
+    </p:extLst>
+  </p:cSld>
+  <p:clrMapOvr>
+    <a:masterClrMapping/>
+  </p:clrMapOvr>
+</p:sld>
+</file>
+
+<file path=ppt/slides/slide10.xml><?xml version="1.0" encoding="utf-8"?>
+<p:sld xmlns:a="http://schemas.openxmlformats.org/drawingml/2006/main" xmlns:r="http://schemas.openxmlformats.org/officeDocument/2006/relationships" xmlns:p="http://schemas.openxmlformats.org/presentationml/2006/main">
+  <p:cSld>
+    <p:spTree>
+      <p:nvGrpSpPr>
+        <p:cNvPr id="1" name=""/>
+        <p:cNvGrpSpPr/>
+        <p:nvPr/>
+      </p:nvGrpSpPr>
+      <p:grpSpPr>
+        <a:xfrm>
+          <a:off x="0" y="0"/>
+          <a:ext cx="0" cy="0"/>
+          <a:chOff x="0" y="0"/>
+          <a:chExt cx="0" cy="0"/>
+        </a:xfrm>
+      </p:grpSpPr>
+      <p:sp>
+        <p:nvSpPr>
+          <p:cNvPr id="2" name="Title 1"/>
+          <p:cNvSpPr>
+            <a:spLocks noGrp="1"/>
+          </p:cNvSpPr>
+          <p:nvPr>
+            <p:ph type="title"/>
+          </p:nvPr>
+        </p:nvSpPr>
+        <p:spPr/>
+        <p:txBody>
+          <a:bodyPr/>
+          <a:lstStyle/>
+          <a:p>
+            <a:pPr algn="ctr"/>
+            <a:r>
+              <a:rPr lang="en-US" dirty="0">
+                <a:latin typeface="Times New Roman" panose="02020603050405020304" pitchFamily="18" charset="0"/>
+                <a:cs typeface="Times New Roman" panose="02020603050405020304" pitchFamily="18" charset="0"/>
+              </a:rPr>
+              <a:t>TEXT TO SPEECH</a:t>
+            </a:r>
+          </a:p>
+        </p:txBody>
+      </p:sp>
+      <p:sp>
+        <p:nvSpPr>
+          <p:cNvPr id="3" name="Content Placeholder 2"/>
+          <p:cNvSpPr>
+            <a:spLocks noGrp="1"/>
+          </p:cNvSpPr>
+          <p:nvPr>
+            <p:ph idx="1"/>
+          </p:nvPr>
+        </p:nvSpPr>
+        <p:spPr/>
+        <p:txBody>
+          <a:bodyPr/>
+          <a:lstStyle/>
+          <a:p>
+            <a:r>
+              <a:rPr lang="en-US" dirty="0">
+                <a:latin typeface="Times New Roman" panose="02020603050405020304" pitchFamily="18" charset="0"/>
+                <a:cs typeface="Times New Roman" panose="02020603050405020304" pitchFamily="18" charset="0"/>
+              </a:rPr>
+              <a:t>Instance creation and calling </a:t>
+            </a:r>
+            <a:r>
+              <a:rPr lang="en-US" dirty="0" err="1">
+                <a:latin typeface="Times New Roman" panose="02020603050405020304" pitchFamily="18" charset="0"/>
+                <a:cs typeface="Times New Roman" panose="02020603050405020304" pitchFamily="18" charset="0"/>
+              </a:rPr>
+              <a:t>OnInitListener</a:t>
+            </a:r>
+            <a:r>
+              <a:rPr lang="en-US" dirty="0">
+                <a:latin typeface="Times New Roman" panose="02020603050405020304" pitchFamily="18" charset="0"/>
+                <a:cs typeface="Times New Roman" panose="02020603050405020304" pitchFamily="18" charset="0"/>
+              </a:rPr>
+              <a:t>.</a:t>
+            </a:r>
+          </a:p>
+          <a:p>
+            <a:r>
+              <a:rPr lang="en-US" dirty="0">
+                <a:latin typeface="Times New Roman" panose="02020603050405020304" pitchFamily="18" charset="0"/>
+                <a:cs typeface="Times New Roman" panose="02020603050405020304" pitchFamily="18" charset="0"/>
+              </a:rPr>
+              <a:t>Language setting:</a:t>
+            </a:r>
+          </a:p>
+          <a:p>
+            <a:pPr marL="0" indent="0">
+              <a:buNone/>
+            </a:pPr>
+            <a:r>
+              <a:rPr lang="en-US" dirty="0">
+                <a:latin typeface="Times New Roman" panose="02020603050405020304" pitchFamily="18" charset="0"/>
+                <a:cs typeface="Times New Roman" panose="02020603050405020304" pitchFamily="18" charset="0"/>
+              </a:rPr>
+              <a:t>Syntax: </a:t>
+            </a:r>
+            <a:r>
+              <a:rPr lang="en-US" dirty="0" err="1">
+                <a:latin typeface="Times New Roman" panose="02020603050405020304" pitchFamily="18" charset="0"/>
+                <a:cs typeface="Times New Roman" panose="02020603050405020304" pitchFamily="18" charset="0"/>
+              </a:rPr>
+              <a:t>object.setLanguage</a:t>
+            </a:r>
+            <a:r>
+              <a:rPr lang="en-US" dirty="0">
+                <a:latin typeface="Times New Roman" panose="02020603050405020304" pitchFamily="18" charset="0"/>
+                <a:cs typeface="Times New Roman" panose="02020603050405020304" pitchFamily="18" charset="0"/>
+              </a:rPr>
+              <a:t>(Local.UK);</a:t>
+            </a:r>
+          </a:p>
+          <a:p>
+            <a:pPr>
+              <a:buFont typeface="Wingdings" panose="05000000000000000000" pitchFamily="2" charset="2"/>
+              <a:buChar char="§"/>
+            </a:pPr>
+            <a:r>
+              <a:rPr lang="en-US" dirty="0">
+                <a:latin typeface="Times New Roman" panose="02020603050405020304" pitchFamily="18" charset="0"/>
+                <a:cs typeface="Times New Roman" panose="02020603050405020304" pitchFamily="18" charset="0"/>
+              </a:rPr>
+              <a:t>Speak method calling</a:t>
+            </a:r>
+          </a:p>
+          <a:p>
+            <a:pPr marL="0" indent="0">
+              <a:buNone/>
+            </a:pPr>
+            <a:r>
+              <a:rPr lang="en-US" dirty="0">
+                <a:latin typeface="Times New Roman" panose="02020603050405020304" pitchFamily="18" charset="0"/>
+                <a:cs typeface="Times New Roman" panose="02020603050405020304" pitchFamily="18" charset="0"/>
+              </a:rPr>
+              <a:t>Syntax: </a:t>
+            </a:r>
+            <a:r>
+              <a:rPr lang="en-US" dirty="0" err="1">
+                <a:latin typeface="Times New Roman" panose="02020603050405020304" pitchFamily="18" charset="0"/>
+                <a:cs typeface="Times New Roman" panose="02020603050405020304" pitchFamily="18" charset="0"/>
+              </a:rPr>
+              <a:t>ttobj.speak</a:t>
+            </a:r>
+            <a:r>
+              <a:rPr lang="en-US" dirty="0">
+                <a:latin typeface="Times New Roman" panose="02020603050405020304" pitchFamily="18" charset="0"/>
+                <a:cs typeface="Times New Roman" panose="02020603050405020304" pitchFamily="18" charset="0"/>
+              </a:rPr>
+              <a:t>(</a:t>
+            </a:r>
+            <a:r>
+              <a:rPr lang="en-US" dirty="0" err="1">
+                <a:latin typeface="Times New Roman" panose="02020603050405020304" pitchFamily="18" charset="0"/>
+                <a:cs typeface="Times New Roman" panose="02020603050405020304" pitchFamily="18" charset="0"/>
+              </a:rPr>
+              <a:t>toSpeak</a:t>
+            </a:r>
+            <a:r>
+              <a:rPr lang="en-US" dirty="0">
+                <a:latin typeface="Times New Roman" panose="02020603050405020304" pitchFamily="18" charset="0"/>
+                <a:cs typeface="Times New Roman" panose="02020603050405020304" pitchFamily="18" charset="0"/>
+              </a:rPr>
+              <a:t>, </a:t>
+            </a:r>
+            <a:r>
+              <a:rPr lang="en-US" dirty="0" err="1">
+                <a:latin typeface="Times New Roman" panose="02020603050405020304" pitchFamily="18" charset="0"/>
+                <a:cs typeface="Times New Roman" panose="02020603050405020304" pitchFamily="18" charset="0"/>
+              </a:rPr>
+              <a:t>TextToSpeech.QUEUE_FLUSH</a:t>
+            </a:r>
+            <a:r>
+              <a:rPr lang="en-US" dirty="0">
+                <a:latin typeface="Times New Roman" panose="02020603050405020304" pitchFamily="18" charset="0"/>
+                <a:cs typeface="Times New Roman" panose="02020603050405020304" pitchFamily="18" charset="0"/>
+              </a:rPr>
+              <a:t>, null);</a:t>
+            </a:r>
+          </a:p>
+        </p:txBody>
+      </p:sp>
+    </p:spTree>
+    <p:extLst>
+      <p:ext uri="{BB962C8B-B14F-4D97-AF65-F5344CB8AC3E}">
+        <p14:creationId xmlns:p14="http://schemas.microsoft.com/office/powerpoint/2010/main" val="712481489"/>
+      </p:ext>
+    </p:extLst>
+  </p:cSld>
+  <p:clrMapOvr>
+    <a:masterClrMapping/>
+  </p:clrMapOvr>
+</p:sld>
+</file>
+
+<file path=ppt/slides/slide11.xml><?xml version="1.0" encoding="utf-8"?>
+<p:sld xmlns:a="http://schemas.openxmlformats.org/drawingml/2006/main" xmlns:r="http://schemas.openxmlformats.org/officeDocument/2006/relationships" xmlns:p="http://schemas.openxmlformats.org/presentationml/2006/main">
+  <p:cSld>
+    <p:spTree>
+      <p:nvGrpSpPr>
+        <p:cNvPr id="1" name=""/>
+        <p:cNvGrpSpPr/>
+        <p:nvPr/>
+      </p:nvGrpSpPr>
+      <p:grpSpPr>
+        <a:xfrm>
+          <a:off x="0" y="0"/>
+          <a:ext cx="0" cy="0"/>
+          <a:chOff x="0" y="0"/>
+          <a:chExt cx="0" cy="0"/>
+        </a:xfrm>
+      </p:grpSpPr>
+      <p:sp>
+        <p:nvSpPr>
+          <p:cNvPr id="2" name="Title 1">
+            <a:extLst>
+              <a:ext uri="{FF2B5EF4-FFF2-40B4-BE49-F238E27FC236}">
+                <a16:creationId xmlns:a16="http://schemas.microsoft.com/office/drawing/2014/main" id="{B5E70882-312A-4E66-A673-11769E768912}"/>
+              </a:ext>
+            </a:extLst>
+          </p:cNvPr>
+          <p:cNvSpPr>
+            <a:spLocks noGrp="1"/>
+          </p:cNvSpPr>
+          <p:nvPr>
+            <p:ph type="title"/>
+          </p:nvPr>
+        </p:nvSpPr>
+        <p:spPr/>
+        <p:txBody>
+          <a:bodyPr/>
+          <a:lstStyle/>
+          <a:p>
+            <a:endParaRPr lang="en-US"/>
+          </a:p>
+        </p:txBody>
+      </p:sp>
+      <p:sp>
+        <p:nvSpPr>
+          <p:cNvPr id="3" name="Content Placeholder 2">
+            <a:extLst>
+              <a:ext uri="{FF2B5EF4-FFF2-40B4-BE49-F238E27FC236}">
+                <a16:creationId xmlns:a16="http://schemas.microsoft.com/office/drawing/2014/main" id="{A5B48BCD-C83E-4838-A956-B640A84FB004}"/>
+              </a:ext>
+            </a:extLst>
+          </p:cNvPr>
+          <p:cNvSpPr>
+            <a:spLocks noGrp="1"/>
+          </p:cNvSpPr>
+          <p:nvPr>
+            <p:ph idx="1"/>
+          </p:nvPr>
+        </p:nvSpPr>
+        <p:spPr/>
+        <p:txBody>
+          <a:bodyPr/>
+          <a:lstStyle/>
+          <a:p>
+            <a:endParaRPr lang="en-US"/>
+          </a:p>
+        </p:txBody>
+      </p:sp>
+      <p:pic>
+        <p:nvPicPr>
+          <p:cNvPr id="4" name="Picture 3">
+            <a:extLst>
+              <a:ext uri="{FF2B5EF4-FFF2-40B4-BE49-F238E27FC236}">
+                <a16:creationId xmlns:a16="http://schemas.microsoft.com/office/drawing/2014/main" id="{B7C6FA4B-2EE8-4D0A-8C74-A2022745F6F0}"/>
+              </a:ext>
+            </a:extLst>
+          </p:cNvPr>
+          <p:cNvPicPr>
+            <a:picLocks noChangeAspect="1"/>
+          </p:cNvPicPr>
+          <p:nvPr/>
+        </p:nvPicPr>
+        <p:blipFill>
+          <a:blip r:embed="rId2" cstate="print">
+            <a:extLst>
+              <a:ext uri="{28A0092B-C50C-407E-A947-70E740481C1C}">
+                <a14:useLocalDpi xmlns:a14="http://schemas.microsoft.com/office/drawing/2010/main" val="0"/>
+              </a:ext>
+            </a:extLst>
+          </a:blip>
+          <a:srcRect/>
+          <a:stretch>
+            <a:fillRect/>
+          </a:stretch>
+        </p:blipFill>
+        <p:spPr bwMode="auto">
+          <a:xfrm>
+            <a:off x="4695825" y="2375566"/>
+            <a:ext cx="2800350" cy="3483233"/>
+          </a:xfrm>
+          <a:prstGeom prst="rect">
+            <a:avLst/>
+          </a:prstGeom>
+          <a:noFill/>
+          <a:ln>
+            <a:noFill/>
+          </a:ln>
+        </p:spPr>
+      </p:pic>
+    </p:spTree>
+    <p:extLst>
+      <p:ext uri="{BB962C8B-B14F-4D97-AF65-F5344CB8AC3E}">
+        <p14:creationId xmlns:p14="http://schemas.microsoft.com/office/powerpoint/2010/main" val="919463577"/>
+      </p:ext>
+    </p:extLst>
+  </p:cSld>
+  <p:clrMapOvr>
+    <a:masterClrMapping/>
+  </p:clrMapOvr>
+</p:sld>
+</file>
+
+<file path=ppt/slides/slide12.xml><?xml version="1.0" encoding="utf-8"?>
+<p:sld xmlns:a="http://schemas.openxmlformats.org/drawingml/2006/main" xmlns:r="http://schemas.openxmlformats.org/officeDocument/2006/relationships" xmlns:p="http://schemas.openxmlformats.org/presentationml/2006/main">
+  <p:cSld>
+    <p:spTree>
+      <p:nvGrpSpPr>
+        <p:cNvPr id="1" name=""/>
+        <p:cNvGrpSpPr/>
+        <p:nvPr/>
+      </p:nvGrpSpPr>
+      <p:grpSpPr>
+        <a:xfrm>
+          <a:off x="0" y="0"/>
+          <a:ext cx="0" cy="0"/>
+          <a:chOff x="0" y="0"/>
+          <a:chExt cx="0" cy="0"/>
+        </a:xfrm>
+      </p:grpSpPr>
+      <p:pic>
+        <p:nvPicPr>
+          <p:cNvPr id="7" name="Picture Placeholder 6"/>
+          <p:cNvPicPr>
+            <a:picLocks noGrp="1" noChangeAspect="1"/>
+          </p:cNvPicPr>
+          <p:nvPr>
+            <p:ph type="pic" idx="1"/>
+          </p:nvPr>
+        </p:nvPicPr>
+        <p:blipFill>
+          <a:blip r:embed="rId2">
+            <a:extLst>
+              <a:ext uri="{28A0092B-C50C-407E-A947-70E740481C1C}">
+                <a14:useLocalDpi xmlns:a14="http://schemas.microsoft.com/office/drawing/2010/main" val="0"/>
+              </a:ext>
+            </a:extLst>
+          </a:blip>
+          <a:srcRect t="12878" b="12878"/>
+          <a:stretch>
+            <a:fillRect/>
+          </a:stretch>
+        </p:blipFill>
+        <p:spPr bwMode="auto">
+          <a:xfrm>
+            <a:off x="574695" y="1759131"/>
+            <a:ext cx="11290859" cy="3557252"/>
+          </a:xfrm>
+          <a:prstGeom prst="rect">
+            <a:avLst/>
+          </a:prstGeom>
+          <a:noFill/>
+          <a:extLst>
+            <a:ext uri="{909E8E84-426E-40DD-AFC4-6F175D3DCCD1}">
+              <a14:hiddenFill xmlns:a14="http://schemas.microsoft.com/office/drawing/2010/main">
+                <a:solidFill>
+                  <a:srgbClr val="FFFFFF"/>
+                </a:solidFill>
+              </a14:hiddenFill>
+            </a:ext>
+          </a:extLst>
+        </p:spPr>
+      </p:pic>
+    </p:spTree>
+    <p:extLst>
+      <p:ext uri="{BB962C8B-B14F-4D97-AF65-F5344CB8AC3E}">
+        <p14:creationId xmlns:p14="http://schemas.microsoft.com/office/powerpoint/2010/main" val="1273118520"/>
       </p:ext>
     </p:extLst>
   </p:cSld>
@@ -3967,10 +4366,9 @@
           <a:p>
             <a:pPr algn="ctr"/>
             <a:r>
-              <a:rPr lang="en-US" dirty="0" smtClean="0"/>
+              <a:rPr lang="en-US" dirty="0"/>
               <a:t>INTRODUCTION</a:t>
             </a:r>
-            <a:endParaRPr lang="en-US" dirty="0"/>
           </a:p>
         </p:txBody>
       </p:sp>
@@ -3996,7 +4394,7 @@
               <a:buNone/>
             </a:pPr>
             <a:r>
-              <a:rPr lang="en-US" b="1" dirty="0" smtClean="0">
+              <a:rPr lang="en-US" b="1" dirty="0">
                 <a:latin typeface="Times New Roman" panose="02020603050405020304" pitchFamily="18" charset="0"/>
                 <a:cs typeface="Times New Roman" panose="02020603050405020304" pitchFamily="18" charset="0"/>
               </a:rPr>
@@ -4029,14 +4427,7 @@
                 <a:latin typeface="Times New Roman" panose="02020603050405020304" pitchFamily="18" charset="0"/>
                 <a:cs typeface="Times New Roman" panose="02020603050405020304" pitchFamily="18" charset="0"/>
               </a:rPr>
-              <a:t>' IntelliJ IDEA software and designed specifically for Android development</a:t>
-            </a:r>
-            <a:r>
-              <a:rPr lang="en-US" dirty="0" smtClean="0">
-                <a:latin typeface="Times New Roman" panose="02020603050405020304" pitchFamily="18" charset="0"/>
-                <a:cs typeface="Times New Roman" panose="02020603050405020304" pitchFamily="18" charset="0"/>
-              </a:rPr>
-              <a:t>.</a:t>
+              <a:t>' IntelliJ IDEA software and designed specifically for Android development.</a:t>
             </a:r>
           </a:p>
           <a:p>
@@ -4047,16 +4438,12 @@
               <a:buNone/>
             </a:pPr>
             <a:r>
-              <a:rPr lang="en-US" dirty="0" smtClean="0">
+              <a:rPr lang="en-US" dirty="0">
                 <a:latin typeface="Times New Roman" panose="02020603050405020304" pitchFamily="18" charset="0"/>
                 <a:cs typeface="Times New Roman" panose="02020603050405020304" pitchFamily="18" charset="0"/>
               </a:rPr>
               <a:t>In this presentation, we are discussing on ICP-8, ICP-10 and ICP-11, which includes are the required features for the starter to know and some programming code.</a:t>
             </a:r>
-            <a:endParaRPr lang="en-US" dirty="0">
-              <a:latin typeface="Times New Roman" panose="02020603050405020304" pitchFamily="18" charset="0"/>
-              <a:cs typeface="Times New Roman" panose="02020603050405020304" pitchFamily="18" charset="0"/>
-            </a:endParaRPr>
           </a:p>
         </p:txBody>
       </p:sp>
@@ -4107,7 +4494,7 @@
           <a:p>
             <a:pPr algn="ctr"/>
             <a:r>
-              <a:rPr lang="en-US" dirty="0" err="1" smtClean="0">
+              <a:rPr lang="en-US" dirty="0" err="1">
                 <a:latin typeface="Times New Roman" panose="02020603050405020304" pitchFamily="18" charset="0"/>
                 <a:cs typeface="Times New Roman" panose="02020603050405020304" pitchFamily="18" charset="0"/>
               </a:rPr>
@@ -4143,7 +4530,7 @@
               </a:lnSpc>
             </a:pPr>
             <a:r>
-              <a:rPr lang="en-US" b="1" dirty="0" smtClean="0">
+              <a:rPr lang="en-US" b="1" dirty="0">
                 <a:latin typeface="Times New Roman" panose="02020603050405020304" pitchFamily="18" charset="0"/>
                 <a:cs typeface="Times New Roman" panose="02020603050405020304" pitchFamily="18" charset="0"/>
               </a:rPr>
@@ -4158,7 +4545,7 @@
               <a:buNone/>
             </a:pPr>
             <a:r>
-              <a:rPr lang="en-US" dirty="0" smtClean="0">
+              <a:rPr lang="en-US" dirty="0">
                 <a:latin typeface="Times New Roman" panose="02020603050405020304" pitchFamily="18" charset="0"/>
                 <a:cs typeface="Times New Roman" panose="02020603050405020304" pitchFamily="18" charset="0"/>
               </a:rPr>
@@ -4174,7 +4561,7 @@
               <a:buChar char="•"/>
             </a:pPr>
             <a:r>
-              <a:rPr lang="en-US" dirty="0" smtClean="0">
+              <a:rPr lang="en-US" dirty="0">
                 <a:latin typeface="Times New Roman" panose="02020603050405020304" pitchFamily="18" charset="0"/>
                 <a:cs typeface="Times New Roman" panose="02020603050405020304" pitchFamily="18" charset="0"/>
               </a:rPr>
@@ -4190,7 +4577,7 @@
               <a:buChar char="•"/>
             </a:pPr>
             <a:r>
-              <a:rPr lang="en-US" dirty="0" smtClean="0">
+              <a:rPr lang="en-US" dirty="0">
                 <a:latin typeface="Times New Roman" panose="02020603050405020304" pitchFamily="18" charset="0"/>
                 <a:cs typeface="Times New Roman" panose="02020603050405020304" pitchFamily="18" charset="0"/>
               </a:rPr>
@@ -4206,32 +4593,18 @@
               <a:buChar char="•"/>
             </a:pPr>
             <a:r>
-              <a:rPr lang="en-US" dirty="0" smtClean="0">
-                <a:latin typeface="Times New Roman" panose="02020603050405020304" pitchFamily="18" charset="0"/>
-                <a:cs typeface="Times New Roman" panose="02020603050405020304" pitchFamily="18" charset="0"/>
-              </a:rPr>
-              <a:t>Res: </a:t>
-            </a:r>
-            <a:r>
               <a:rPr lang="en-US" dirty="0">
                 <a:latin typeface="Times New Roman" panose="02020603050405020304" pitchFamily="18" charset="0"/>
                 <a:cs typeface="Times New Roman" panose="02020603050405020304" pitchFamily="18" charset="0"/>
               </a:rPr>
-              <a:t>Contains all non-code resources, such as XML layouts, UI strings, and bitmap </a:t>
-            </a:r>
-            <a:r>
-              <a:rPr lang="en-US" dirty="0" smtClean="0">
-                <a:latin typeface="Times New Roman" panose="02020603050405020304" pitchFamily="18" charset="0"/>
-                <a:cs typeface="Times New Roman" panose="02020603050405020304" pitchFamily="18" charset="0"/>
-              </a:rPr>
-              <a:t>images.</a:t>
+              <a:t>Res: Contains all non-code resources, such as XML layouts, UI strings, and bitmap images.</a:t>
             </a:r>
           </a:p>
           <a:p>
             <a:pPr marL="0" indent="0">
               <a:buNone/>
             </a:pPr>
-            <a:endParaRPr lang="en-US" dirty="0" smtClean="0">
+            <a:endParaRPr lang="en-US" dirty="0">
               <a:latin typeface="Times New Roman" panose="02020603050405020304" pitchFamily="18" charset="0"/>
               <a:cs typeface="Times New Roman" panose="02020603050405020304" pitchFamily="18" charset="0"/>
             </a:endParaRPr>
@@ -4294,10 +4667,9 @@
           <a:p>
             <a:pPr algn="ctr"/>
             <a:r>
-              <a:rPr lang="en-US" dirty="0" smtClean="0"/>
+              <a:rPr lang="en-US" dirty="0"/>
               <a:t>FEATUREs</a:t>
             </a:r>
-            <a:endParaRPr lang="en-US" dirty="0"/>
           </a:p>
         </p:txBody>
       </p:sp>
@@ -4324,7 +4696,7 @@
               </a:lnSpc>
             </a:pPr>
             <a:r>
-              <a:rPr lang="en-US" b="1" dirty="0" smtClean="0">
+              <a:rPr lang="en-US" b="1" dirty="0">
                 <a:latin typeface="Times New Roman" panose="02020603050405020304" pitchFamily="18" charset="0"/>
                 <a:cs typeface="Times New Roman" panose="02020603050405020304" pitchFamily="18" charset="0"/>
               </a:rPr>
@@ -4339,21 +4711,21 @@
               <a:buNone/>
             </a:pPr>
             <a:r>
-              <a:rPr lang="en-US" dirty="0" smtClean="0">
+              <a:rPr lang="en-US" dirty="0">
                 <a:latin typeface="Times New Roman" panose="02020603050405020304" pitchFamily="18" charset="0"/>
                 <a:cs typeface="Times New Roman" panose="02020603050405020304" pitchFamily="18" charset="0"/>
               </a:rPr>
               <a:t>Android studio contains different packages and each package consists of multiple classes and in this presentation we are discussing on some of the most used classes in the package named </a:t>
             </a:r>
             <a:r>
-              <a:rPr lang="en-US" dirty="0" err="1" smtClean="0">
+              <a:rPr lang="en-US" dirty="0" err="1">
                 <a:latin typeface="Times New Roman" panose="02020603050405020304" pitchFamily="18" charset="0"/>
                 <a:cs typeface="Times New Roman" panose="02020603050405020304" pitchFamily="18" charset="0"/>
               </a:rPr>
               <a:t>android.widget</a:t>
             </a:r>
             <a:r>
-              <a:rPr lang="en-US" dirty="0" smtClean="0">
+              <a:rPr lang="en-US" dirty="0">
                 <a:latin typeface="Times New Roman" panose="02020603050405020304" pitchFamily="18" charset="0"/>
                 <a:cs typeface="Times New Roman" panose="02020603050405020304" pitchFamily="18" charset="0"/>
               </a:rPr>
@@ -4369,21 +4741,21 @@
               <a:buChar char="•"/>
             </a:pPr>
             <a:r>
-              <a:rPr lang="en-US" b="1" dirty="0" err="1" smtClean="0">
+              <a:rPr lang="en-US" b="1" dirty="0" err="1">
                 <a:latin typeface="Times New Roman" panose="02020603050405020304" pitchFamily="18" charset="0"/>
                 <a:cs typeface="Times New Roman" panose="02020603050405020304" pitchFamily="18" charset="0"/>
               </a:rPr>
               <a:t>TextView</a:t>
             </a:r>
             <a:r>
-              <a:rPr lang="en-US" b="1" dirty="0" smtClean="0">
+              <a:rPr lang="en-US" b="1" dirty="0">
                 <a:latin typeface="Times New Roman" panose="02020603050405020304" pitchFamily="18" charset="0"/>
                 <a:cs typeface="Times New Roman" panose="02020603050405020304" pitchFamily="18" charset="0"/>
               </a:rPr>
               <a:t>: </a:t>
             </a:r>
             <a:r>
-              <a:rPr lang="en-US" dirty="0" smtClean="0">
+              <a:rPr lang="en-US" dirty="0">
                 <a:latin typeface="Times New Roman" panose="02020603050405020304" pitchFamily="18" charset="0"/>
                 <a:cs typeface="Times New Roman" panose="02020603050405020304" pitchFamily="18" charset="0"/>
               </a:rPr>
@@ -4399,39 +4771,25 @@
               <a:buChar char="•"/>
             </a:pPr>
             <a:r>
-              <a:rPr lang="en-US" b="1" dirty="0" err="1" smtClean="0">
+              <a:rPr lang="en-US" b="1" dirty="0" err="1">
                 <a:latin typeface="Times New Roman" panose="02020603050405020304" pitchFamily="18" charset="0"/>
                 <a:cs typeface="Times New Roman" panose="02020603050405020304" pitchFamily="18" charset="0"/>
               </a:rPr>
               <a:t>EditText</a:t>
             </a:r>
             <a:r>
-              <a:rPr lang="en-US" b="1" dirty="0" smtClean="0">
+              <a:rPr lang="en-US" b="1" dirty="0">
                 <a:latin typeface="Times New Roman" panose="02020603050405020304" pitchFamily="18" charset="0"/>
                 <a:cs typeface="Times New Roman" panose="02020603050405020304" pitchFamily="18" charset="0"/>
               </a:rPr>
               <a:t>: </a:t>
             </a:r>
             <a:r>
-              <a:rPr lang="en-US" dirty="0" smtClean="0">
-                <a:latin typeface="Times New Roman" panose="02020603050405020304" pitchFamily="18" charset="0"/>
-                <a:cs typeface="Times New Roman" panose="02020603050405020304" pitchFamily="18" charset="0"/>
-              </a:rPr>
-              <a:t>Used for </a:t>
-            </a:r>
-            <a:r>
               <a:rPr lang="en-US" dirty="0">
                 <a:latin typeface="Times New Roman" panose="02020603050405020304" pitchFamily="18" charset="0"/>
                 <a:cs typeface="Times New Roman" panose="02020603050405020304" pitchFamily="18" charset="0"/>
               </a:rPr>
-              <a:t>entering and modifying </a:t>
-            </a:r>
-            <a:r>
-              <a:rPr lang="en-US" dirty="0" smtClean="0">
-                <a:latin typeface="Times New Roman" panose="02020603050405020304" pitchFamily="18" charset="0"/>
-                <a:cs typeface="Times New Roman" panose="02020603050405020304" pitchFamily="18" charset="0"/>
-              </a:rPr>
-              <a:t>text</a:t>
+              <a:t>Used for entering and modifying text</a:t>
             </a:r>
           </a:p>
           <a:p>
@@ -4443,7 +4801,7 @@
               <a:buChar char="•"/>
             </a:pPr>
             <a:r>
-              <a:rPr lang="en-US" b="1" dirty="0" smtClean="0">
+              <a:rPr lang="en-US" b="1" dirty="0">
                 <a:latin typeface="Times New Roman" panose="02020603050405020304" pitchFamily="18" charset="0"/>
                 <a:cs typeface="Times New Roman" panose="02020603050405020304" pitchFamily="18" charset="0"/>
               </a:rPr>
@@ -4454,28 +4812,7 @@
                 <a:latin typeface="Times New Roman" panose="02020603050405020304" pitchFamily="18" charset="0"/>
                 <a:cs typeface="Times New Roman" panose="02020603050405020304" pitchFamily="18" charset="0"/>
               </a:rPr>
-              <a:t>T</a:t>
-            </a:r>
-            <a:r>
-              <a:rPr lang="en-US" dirty="0" smtClean="0">
-                <a:latin typeface="Times New Roman" panose="02020603050405020304" pitchFamily="18" charset="0"/>
-                <a:cs typeface="Times New Roman" panose="02020603050405020304" pitchFamily="18" charset="0"/>
-              </a:rPr>
-              <a:t>he </a:t>
-            </a:r>
-            <a:r>
-              <a:rPr lang="en-US" dirty="0">
-                <a:latin typeface="Times New Roman" panose="02020603050405020304" pitchFamily="18" charset="0"/>
-                <a:cs typeface="Times New Roman" panose="02020603050405020304" pitchFamily="18" charset="0"/>
-              </a:rPr>
-              <a:t>user can tap or click to perform an action</a:t>
-            </a:r>
-            <a:r>
-              <a:rPr lang="en-US" dirty="0" smtClean="0">
-                <a:latin typeface="Times New Roman" panose="02020603050405020304" pitchFamily="18" charset="0"/>
-                <a:cs typeface="Times New Roman" panose="02020603050405020304" pitchFamily="18" charset="0"/>
-              </a:rPr>
-              <a:t>.</a:t>
+              <a:t>The user can tap or click to perform an action.</a:t>
             </a:r>
           </a:p>
           <a:p>
@@ -4487,39 +4824,25 @@
               <a:buChar char="•"/>
             </a:pPr>
             <a:r>
-              <a:rPr lang="en-US" b="1" dirty="0" err="1" smtClean="0">
+              <a:rPr lang="en-US" b="1" dirty="0" err="1">
                 <a:latin typeface="Times New Roman" panose="02020603050405020304" pitchFamily="18" charset="0"/>
                 <a:cs typeface="Times New Roman" panose="02020603050405020304" pitchFamily="18" charset="0"/>
               </a:rPr>
               <a:t>CheckBox</a:t>
             </a:r>
             <a:r>
-              <a:rPr lang="en-US" b="1" dirty="0" smtClean="0">
+              <a:rPr lang="en-US" b="1" dirty="0">
                 <a:latin typeface="Times New Roman" panose="02020603050405020304" pitchFamily="18" charset="0"/>
                 <a:cs typeface="Times New Roman" panose="02020603050405020304" pitchFamily="18" charset="0"/>
               </a:rPr>
               <a:t>: </a:t>
             </a:r>
             <a:r>
-              <a:rPr lang="en-US" dirty="0" smtClean="0">
-                <a:latin typeface="Times New Roman" panose="02020603050405020304" pitchFamily="18" charset="0"/>
-                <a:cs typeface="Times New Roman" panose="02020603050405020304" pitchFamily="18" charset="0"/>
-              </a:rPr>
-              <a:t>It is </a:t>
-            </a:r>
-            <a:r>
               <a:rPr lang="en-US" dirty="0">
                 <a:latin typeface="Times New Roman" panose="02020603050405020304" pitchFamily="18" charset="0"/>
                 <a:cs typeface="Times New Roman" panose="02020603050405020304" pitchFamily="18" charset="0"/>
               </a:rPr>
-              <a:t>a specific type of two-states button that can be either checked or </a:t>
-            </a:r>
-            <a:r>
-              <a:rPr lang="en-US" dirty="0" smtClean="0">
-                <a:latin typeface="Times New Roman" panose="02020603050405020304" pitchFamily="18" charset="0"/>
-                <a:cs typeface="Times New Roman" panose="02020603050405020304" pitchFamily="18" charset="0"/>
-              </a:rPr>
-              <a:t>unchecked</a:t>
+              <a:t>It is a specific type of two-states button that can be either checked or unchecked</a:t>
             </a:r>
           </a:p>
         </p:txBody>
@@ -4571,10 +4894,9 @@
           <a:p>
             <a:pPr algn="ctr"/>
             <a:r>
-              <a:rPr lang="en-US" dirty="0" smtClean="0"/>
+              <a:rPr lang="en-US" dirty="0"/>
               <a:t>FEATURES</a:t>
             </a:r>
-            <a:endParaRPr lang="en-US" dirty="0"/>
           </a:p>
         </p:txBody>
       </p:sp>
@@ -4601,14 +4923,14 @@
               </a:lnSpc>
             </a:pPr>
             <a:r>
-              <a:rPr lang="en-US" b="1" dirty="0" err="1" smtClean="0">
+              <a:rPr lang="en-US" b="1" dirty="0" err="1">
                 <a:latin typeface="Times New Roman" panose="02020603050405020304" pitchFamily="18" charset="0"/>
                 <a:cs typeface="Times New Roman" panose="02020603050405020304" pitchFamily="18" charset="0"/>
               </a:rPr>
               <a:t>ImageView</a:t>
             </a:r>
             <a:r>
-              <a:rPr lang="en-US" b="1" dirty="0" smtClean="0">
+              <a:rPr lang="en-US" b="1" dirty="0">
                 <a:latin typeface="Times New Roman" panose="02020603050405020304" pitchFamily="18" charset="0"/>
                 <a:cs typeface="Times New Roman" panose="02020603050405020304" pitchFamily="18" charset="0"/>
               </a:rPr>
@@ -4619,14 +4941,7 @@
                 <a:latin typeface="Times New Roman" panose="02020603050405020304" pitchFamily="18" charset="0"/>
                 <a:cs typeface="Times New Roman" panose="02020603050405020304" pitchFamily="18" charset="0"/>
               </a:rPr>
-              <a:t>Displays image </a:t>
-            </a:r>
-            <a:r>
-              <a:rPr lang="en-US" dirty="0" smtClean="0">
-                <a:latin typeface="Times New Roman" panose="02020603050405020304" pitchFamily="18" charset="0"/>
-                <a:cs typeface="Times New Roman" panose="02020603050405020304" pitchFamily="18" charset="0"/>
-              </a:rPr>
-              <a:t>resources.</a:t>
+              <a:t>Displays image resources.</a:t>
             </a:r>
           </a:p>
           <a:p>
@@ -4636,14 +4951,14 @@
               </a:lnSpc>
             </a:pPr>
             <a:r>
-              <a:rPr lang="en-US" b="1" dirty="0" err="1" smtClean="0">
+              <a:rPr lang="en-US" b="1" dirty="0" err="1">
                 <a:latin typeface="Times New Roman" panose="02020603050405020304" pitchFamily="18" charset="0"/>
                 <a:cs typeface="Times New Roman" panose="02020603050405020304" pitchFamily="18" charset="0"/>
               </a:rPr>
               <a:t>RadioButton</a:t>
             </a:r>
             <a:r>
-              <a:rPr lang="en-US" b="1" dirty="0" smtClean="0">
+              <a:rPr lang="en-US" b="1" dirty="0">
                 <a:latin typeface="Times New Roman" panose="02020603050405020304" pitchFamily="18" charset="0"/>
                 <a:cs typeface="Times New Roman" panose="02020603050405020304" pitchFamily="18" charset="0"/>
               </a:rPr>
@@ -4654,14 +4969,7 @@
                 <a:latin typeface="Times New Roman" panose="02020603050405020304" pitchFamily="18" charset="0"/>
                 <a:cs typeface="Times New Roman" panose="02020603050405020304" pitchFamily="18" charset="0"/>
               </a:rPr>
-              <a:t>A radio button is a two-states button that can be either checked or unchecked. When the radio button is unchecked, the user can press or click it to check it</a:t>
-            </a:r>
-            <a:r>
-              <a:rPr lang="en-US" dirty="0" smtClean="0">
-                <a:latin typeface="Times New Roman" panose="02020603050405020304" pitchFamily="18" charset="0"/>
-                <a:cs typeface="Times New Roman" panose="02020603050405020304" pitchFamily="18" charset="0"/>
-              </a:rPr>
-              <a:t>.</a:t>
+              <a:t>A radio button is a two-states button that can be either checked or unchecked. When the radio button is unchecked, the user can press or click it to check it.</a:t>
             </a:r>
           </a:p>
           <a:p>
@@ -4671,7 +4979,7 @@
               </a:lnSpc>
             </a:pPr>
             <a:r>
-              <a:rPr lang="en-US" b="1" dirty="0" smtClean="0">
+              <a:rPr lang="en-US" b="1" dirty="0">
                 <a:latin typeface="Times New Roman" panose="02020603050405020304" pitchFamily="18" charset="0"/>
                 <a:cs typeface="Times New Roman" panose="02020603050405020304" pitchFamily="18" charset="0"/>
               </a:rPr>
@@ -4682,14 +4990,7 @@
                 <a:latin typeface="Times New Roman" panose="02020603050405020304" pitchFamily="18" charset="0"/>
                 <a:cs typeface="Times New Roman" panose="02020603050405020304" pitchFamily="18" charset="0"/>
               </a:rPr>
-              <a:t>A toast is a view containing a quick little message for the user</a:t>
-            </a:r>
-            <a:r>
-              <a:rPr lang="en-US" dirty="0" smtClean="0">
-                <a:latin typeface="Times New Roman" panose="02020603050405020304" pitchFamily="18" charset="0"/>
-                <a:cs typeface="Times New Roman" panose="02020603050405020304" pitchFamily="18" charset="0"/>
-              </a:rPr>
-              <a:t>.</a:t>
+              <a:t>A toast is a view containing a quick little message for the user.</a:t>
             </a:r>
           </a:p>
           <a:p>
@@ -4699,14 +5000,14 @@
               </a:lnSpc>
             </a:pPr>
             <a:r>
-              <a:rPr lang="en-US" b="1" dirty="0" err="1" smtClean="0">
+              <a:rPr lang="en-US" b="1" dirty="0" err="1">
                 <a:latin typeface="Times New Roman" panose="02020603050405020304" pitchFamily="18" charset="0"/>
                 <a:cs typeface="Times New Roman" panose="02020603050405020304" pitchFamily="18" charset="0"/>
               </a:rPr>
               <a:t>RelativeLayout</a:t>
             </a:r>
             <a:r>
-              <a:rPr lang="en-US" b="1" dirty="0" smtClean="0">
+              <a:rPr lang="en-US" b="1" dirty="0">
                 <a:latin typeface="Times New Roman" panose="02020603050405020304" pitchFamily="18" charset="0"/>
                 <a:cs typeface="Times New Roman" panose="02020603050405020304" pitchFamily="18" charset="0"/>
               </a:rPr>
@@ -4717,14 +5018,7 @@
                 <a:latin typeface="Times New Roman" panose="02020603050405020304" pitchFamily="18" charset="0"/>
                 <a:cs typeface="Times New Roman" panose="02020603050405020304" pitchFamily="18" charset="0"/>
               </a:rPr>
-              <a:t>A Layout where the positions of the children can be described in relation to each other or to the parent</a:t>
-            </a:r>
-            <a:r>
-              <a:rPr lang="en-US" dirty="0" smtClean="0">
-                <a:latin typeface="Times New Roman" panose="02020603050405020304" pitchFamily="18" charset="0"/>
-                <a:cs typeface="Times New Roman" panose="02020603050405020304" pitchFamily="18" charset="0"/>
-              </a:rPr>
-              <a:t>.</a:t>
+              <a:t>A Layout where the positions of the children can be described in relation to each other or to the parent.</a:t>
             </a:r>
           </a:p>
           <a:p>
@@ -4734,14 +5028,14 @@
               </a:lnSpc>
             </a:pPr>
             <a:r>
-              <a:rPr lang="en-US" b="1" dirty="0" err="1" smtClean="0">
+              <a:rPr lang="en-US" b="1" dirty="0" err="1">
                 <a:latin typeface="Times New Roman" panose="02020603050405020304" pitchFamily="18" charset="0"/>
                 <a:cs typeface="Times New Roman" panose="02020603050405020304" pitchFamily="18" charset="0"/>
               </a:rPr>
               <a:t>GridLayout</a:t>
             </a:r>
             <a:r>
-              <a:rPr lang="en-US" b="1" dirty="0" smtClean="0">
+              <a:rPr lang="en-US" b="1" dirty="0">
                 <a:latin typeface="Times New Roman" panose="02020603050405020304" pitchFamily="18" charset="0"/>
                 <a:cs typeface="Times New Roman" panose="02020603050405020304" pitchFamily="18" charset="0"/>
               </a:rPr>
@@ -4752,16 +5046,9 @@
                 <a:latin typeface="Times New Roman" panose="02020603050405020304" pitchFamily="18" charset="0"/>
                 <a:cs typeface="Times New Roman" panose="02020603050405020304" pitchFamily="18" charset="0"/>
               </a:rPr>
-              <a:t>A layout that places its children in a rectangular grid</a:t>
-            </a:r>
-            <a:r>
-              <a:rPr lang="en-US" dirty="0" smtClean="0">
-                <a:latin typeface="Times New Roman" panose="02020603050405020304" pitchFamily="18" charset="0"/>
-                <a:cs typeface="Times New Roman" panose="02020603050405020304" pitchFamily="18" charset="0"/>
-              </a:rPr>
-              <a:t>.</a:t>
-            </a:r>
-            <a:endParaRPr lang="en-US" b="1" dirty="0" smtClean="0">
+              <a:t>A layout that places its children in a rectangular grid.</a:t>
+            </a:r>
+            <a:endParaRPr lang="en-US" b="1" dirty="0">
               <a:latin typeface="Times New Roman" panose="02020603050405020304" pitchFamily="18" charset="0"/>
               <a:cs typeface="Times New Roman" panose="02020603050405020304" pitchFamily="18" charset="0"/>
             </a:endParaRPr>
@@ -4773,14 +5060,14 @@
               </a:lnSpc>
             </a:pPr>
             <a:r>
-              <a:rPr lang="en-US" b="1" dirty="0" err="1" smtClean="0">
+              <a:rPr lang="en-US" b="1" dirty="0" err="1">
                 <a:latin typeface="Times New Roman" panose="02020603050405020304" pitchFamily="18" charset="0"/>
                 <a:cs typeface="Times New Roman" panose="02020603050405020304" pitchFamily="18" charset="0"/>
               </a:rPr>
               <a:t>LinearLayout</a:t>
             </a:r>
             <a:r>
-              <a:rPr lang="en-US" b="1" dirty="0" smtClean="0">
+              <a:rPr lang="en-US" b="1" dirty="0">
                 <a:latin typeface="Times New Roman" panose="02020603050405020304" pitchFamily="18" charset="0"/>
                 <a:cs typeface="Times New Roman" panose="02020603050405020304" pitchFamily="18" charset="0"/>
               </a:rPr>
@@ -4793,10 +5080,6 @@
               </a:rPr>
               <a:t>A layout that arranges other views either horizontally in a single column or vertically in a single row.</a:t>
             </a:r>
-            <a:endParaRPr lang="en-US" dirty="0" smtClean="0">
-              <a:latin typeface="Times New Roman" panose="02020603050405020304" pitchFamily="18" charset="0"/>
-              <a:cs typeface="Times New Roman" panose="02020603050405020304" pitchFamily="18" charset="0"/>
-            </a:endParaRPr>
           </a:p>
         </p:txBody>
       </p:sp>
@@ -4832,7 +5115,13 @@
       </p:grpSpPr>
       <p:sp>
         <p:nvSpPr>
-          <p:cNvPr id="2" name="Title 1"/>
+          <p:cNvPr id="2" name="Title 1">
+            <a:extLst>
+              <a:ext uri="{FF2B5EF4-FFF2-40B4-BE49-F238E27FC236}">
+                <a16:creationId xmlns:a16="http://schemas.microsoft.com/office/drawing/2014/main" id="{5980276F-228F-4100-B00E-5559212C8A8F}"/>
+              </a:ext>
+            </a:extLst>
+          </p:cNvPr>
           <p:cNvSpPr>
             <a:spLocks noGrp="1"/>
           </p:cNvSpPr>
@@ -4845,23 +5134,128 @@
           <a:bodyPr/>
           <a:lstStyle/>
           <a:p>
-            <a:pPr algn="ctr"/>
-            <a:r>
-              <a:rPr lang="en-US" dirty="0" smtClean="0"/>
-              <a:t>API CALLING</a:t>
-            </a:r>
-            <a:endParaRPr lang="en-US" dirty="0"/>
-          </a:p>
-        </p:txBody>
-      </p:sp>
-      <p:sp>
-        <p:nvSpPr>
-          <p:cNvPr id="3" name="Content Placeholder 2"/>
-          <p:cNvSpPr>
-            <a:spLocks noGrp="1"/>
-          </p:cNvSpPr>
+            <a:endParaRPr lang="en-US"/>
+          </a:p>
+        </p:txBody>
+      </p:sp>
+      <p:pic>
+        <p:nvPicPr>
+          <p:cNvPr id="4" name="Content Placeholder 3">
+            <a:extLst>
+              <a:ext uri="{FF2B5EF4-FFF2-40B4-BE49-F238E27FC236}">
+                <a16:creationId xmlns:a16="http://schemas.microsoft.com/office/drawing/2014/main" id="{A15F545E-E4C1-418C-B906-98914D806742}"/>
+              </a:ext>
+            </a:extLst>
+          </p:cNvPr>
+          <p:cNvPicPr>
+            <a:picLocks noGrp="1" noChangeAspect="1"/>
+          </p:cNvPicPr>
           <p:nvPr>
             <p:ph idx="1"/>
+          </p:nvPr>
+        </p:nvPicPr>
+        <p:blipFill>
+          <a:blip r:embed="rId2" cstate="print">
+            <a:extLst>
+              <a:ext uri="{28A0092B-C50C-407E-A947-70E740481C1C}">
+                <a14:useLocalDpi xmlns:a14="http://schemas.microsoft.com/office/drawing/2010/main" val="0"/>
+              </a:ext>
+            </a:extLst>
+          </a:blip>
+          <a:stretch>
+            <a:fillRect/>
+          </a:stretch>
+        </p:blipFill>
+        <p:spPr>
+          <a:xfrm>
+            <a:off x="2867891" y="2396880"/>
+            <a:ext cx="2676698" cy="3266902"/>
+          </a:xfrm>
+          <a:prstGeom prst="rect">
+            <a:avLst/>
+          </a:prstGeom>
+        </p:spPr>
+      </p:pic>
+      <p:pic>
+        <p:nvPicPr>
+          <p:cNvPr id="5" name="Picture 4">
+            <a:extLst>
+              <a:ext uri="{FF2B5EF4-FFF2-40B4-BE49-F238E27FC236}">
+                <a16:creationId xmlns:a16="http://schemas.microsoft.com/office/drawing/2014/main" id="{306BCCB5-DAB2-48EF-8FDF-E70DC9F7DC5A}"/>
+              </a:ext>
+            </a:extLst>
+          </p:cNvPr>
+          <p:cNvPicPr>
+            <a:picLocks noChangeAspect="1"/>
+          </p:cNvPicPr>
+          <p:nvPr/>
+        </p:nvPicPr>
+        <p:blipFill>
+          <a:blip r:embed="rId3" cstate="print">
+            <a:extLst>
+              <a:ext uri="{28A0092B-C50C-407E-A947-70E740481C1C}">
+                <a14:useLocalDpi xmlns:a14="http://schemas.microsoft.com/office/drawing/2010/main" val="0"/>
+              </a:ext>
+            </a:extLst>
+          </a:blip>
+          <a:stretch>
+            <a:fillRect/>
+          </a:stretch>
+        </p:blipFill>
+        <p:spPr>
+          <a:xfrm>
+            <a:off x="7623175" y="2396880"/>
+            <a:ext cx="3061970" cy="3256915"/>
+          </a:xfrm>
+          <a:prstGeom prst="rect">
+            <a:avLst/>
+          </a:prstGeom>
+        </p:spPr>
+      </p:pic>
+    </p:spTree>
+    <p:extLst>
+      <p:ext uri="{BB962C8B-B14F-4D97-AF65-F5344CB8AC3E}">
+        <p14:creationId xmlns:p14="http://schemas.microsoft.com/office/powerpoint/2010/main" val="2494621998"/>
+      </p:ext>
+    </p:extLst>
+  </p:cSld>
+  <p:clrMapOvr>
+    <a:masterClrMapping/>
+  </p:clrMapOvr>
+</p:sld>
+</file>
+
+<file path=ppt/slides/slide7.xml><?xml version="1.0" encoding="utf-8"?>
+<p:sld xmlns:a="http://schemas.openxmlformats.org/drawingml/2006/main" xmlns:r="http://schemas.openxmlformats.org/officeDocument/2006/relationships" xmlns:p="http://schemas.openxmlformats.org/presentationml/2006/main">
+  <p:cSld>
+    <p:spTree>
+      <p:nvGrpSpPr>
+        <p:cNvPr id="1" name=""/>
+        <p:cNvGrpSpPr/>
+        <p:nvPr/>
+      </p:nvGrpSpPr>
+      <p:grpSpPr>
+        <a:xfrm>
+          <a:off x="0" y="0"/>
+          <a:ext cx="0" cy="0"/>
+          <a:chOff x="0" y="0"/>
+          <a:chExt cx="0" cy="0"/>
+        </a:xfrm>
+      </p:grpSpPr>
+      <p:sp>
+        <p:nvSpPr>
+          <p:cNvPr id="2" name="Title 1">
+            <a:extLst>
+              <a:ext uri="{FF2B5EF4-FFF2-40B4-BE49-F238E27FC236}">
+                <a16:creationId xmlns:a16="http://schemas.microsoft.com/office/drawing/2014/main" id="{026F1B16-5E46-4060-9D79-0995ABA28F69}"/>
+              </a:ext>
+            </a:extLst>
+          </p:cNvPr>
+          <p:cNvSpPr>
+            <a:spLocks noGrp="1"/>
+          </p:cNvSpPr>
+          <p:nvPr>
+            <p:ph type="title"/>
           </p:nvPr>
         </p:nvSpPr>
         <p:spPr/>
@@ -4869,15 +5263,161 @@
           <a:bodyPr/>
           <a:lstStyle/>
           <a:p>
-            <a:r>
-              <a:rPr lang="en-US" b="1" dirty="0" smtClean="0">
+            <a:endParaRPr lang="en-US"/>
+          </a:p>
+        </p:txBody>
+      </p:sp>
+      <p:pic>
+        <p:nvPicPr>
+          <p:cNvPr id="4" name="Content Placeholder 3">
+            <a:extLst>
+              <a:ext uri="{FF2B5EF4-FFF2-40B4-BE49-F238E27FC236}">
+                <a16:creationId xmlns:a16="http://schemas.microsoft.com/office/drawing/2014/main" id="{555D8932-76EA-495D-8E3A-418CA137F23E}"/>
+              </a:ext>
+            </a:extLst>
+          </p:cNvPr>
+          <p:cNvPicPr>
+            <a:picLocks noGrp="1" noChangeAspect="1"/>
+          </p:cNvPicPr>
+          <p:nvPr>
+            <p:ph idx="1"/>
+          </p:nvPr>
+        </p:nvPicPr>
+        <p:blipFill>
+          <a:blip r:embed="rId2" cstate="print">
+            <a:extLst>
+              <a:ext uri="{28A0092B-C50C-407E-A947-70E740481C1C}">
+                <a14:useLocalDpi xmlns:a14="http://schemas.microsoft.com/office/drawing/2010/main" val="0"/>
+              </a:ext>
+            </a:extLst>
+          </a:blip>
+          <a:stretch>
+            <a:fillRect/>
+          </a:stretch>
+        </p:blipFill>
+        <p:spPr>
+          <a:xfrm>
+            <a:off x="1810263" y="2221865"/>
+            <a:ext cx="2902194" cy="3678238"/>
+          </a:xfrm>
+          <a:prstGeom prst="rect">
+            <a:avLst/>
+          </a:prstGeom>
+        </p:spPr>
+      </p:pic>
+      <p:pic>
+        <p:nvPicPr>
+          <p:cNvPr id="5" name="Picture 4">
+            <a:extLst>
+              <a:ext uri="{FF2B5EF4-FFF2-40B4-BE49-F238E27FC236}">
+                <a16:creationId xmlns:a16="http://schemas.microsoft.com/office/drawing/2014/main" id="{3E6F402E-1339-42DE-BC20-B7FFCBDB2CDB}"/>
+              </a:ext>
+            </a:extLst>
+          </p:cNvPr>
+          <p:cNvPicPr>
+            <a:picLocks noChangeAspect="1"/>
+          </p:cNvPicPr>
+          <p:nvPr/>
+        </p:nvPicPr>
+        <p:blipFill>
+          <a:blip r:embed="rId3" cstate="print">
+            <a:extLst>
+              <a:ext uri="{28A0092B-C50C-407E-A947-70E740481C1C}">
+                <a14:useLocalDpi xmlns:a14="http://schemas.microsoft.com/office/drawing/2010/main" val="0"/>
+              </a:ext>
+            </a:extLst>
+          </a:blip>
+          <a:stretch>
+            <a:fillRect/>
+          </a:stretch>
+        </p:blipFill>
+        <p:spPr>
+          <a:xfrm>
+            <a:off x="6269672" y="2221865"/>
+            <a:ext cx="3797935" cy="4333240"/>
+          </a:xfrm>
+          <a:prstGeom prst="rect">
+            <a:avLst/>
+          </a:prstGeom>
+        </p:spPr>
+      </p:pic>
+    </p:spTree>
+    <p:extLst>
+      <p:ext uri="{BB962C8B-B14F-4D97-AF65-F5344CB8AC3E}">
+        <p14:creationId xmlns:p14="http://schemas.microsoft.com/office/powerpoint/2010/main" val="164369400"/>
+      </p:ext>
+    </p:extLst>
+  </p:cSld>
+  <p:clrMapOvr>
+    <a:masterClrMapping/>
+  </p:clrMapOvr>
+</p:sld>
+</file>
+
+<file path=ppt/slides/slide8.xml><?xml version="1.0" encoding="utf-8"?>
+<p:sld xmlns:a="http://schemas.openxmlformats.org/drawingml/2006/main" xmlns:r="http://schemas.openxmlformats.org/officeDocument/2006/relationships" xmlns:p="http://schemas.openxmlformats.org/presentationml/2006/main">
+  <p:cSld>
+    <p:spTree>
+      <p:nvGrpSpPr>
+        <p:cNvPr id="1" name=""/>
+        <p:cNvGrpSpPr/>
+        <p:nvPr/>
+      </p:nvGrpSpPr>
+      <p:grpSpPr>
+        <a:xfrm>
+          <a:off x="0" y="0"/>
+          <a:ext cx="0" cy="0"/>
+          <a:chOff x="0" y="0"/>
+          <a:chExt cx="0" cy="0"/>
+        </a:xfrm>
+      </p:grpSpPr>
+      <p:sp>
+        <p:nvSpPr>
+          <p:cNvPr id="2" name="Title 1"/>
+          <p:cNvSpPr>
+            <a:spLocks noGrp="1"/>
+          </p:cNvSpPr>
+          <p:nvPr>
+            <p:ph type="title"/>
+          </p:nvPr>
+        </p:nvSpPr>
+        <p:spPr/>
+        <p:txBody>
+          <a:bodyPr/>
+          <a:lstStyle/>
+          <a:p>
+            <a:pPr algn="ctr"/>
+            <a:r>
+              <a:rPr lang="en-US" dirty="0"/>
+              <a:t>API CALLING</a:t>
+            </a:r>
+          </a:p>
+        </p:txBody>
+      </p:sp>
+      <p:sp>
+        <p:nvSpPr>
+          <p:cNvPr id="3" name="Content Placeholder 2"/>
+          <p:cNvSpPr>
+            <a:spLocks noGrp="1"/>
+          </p:cNvSpPr>
+          <p:nvPr>
+            <p:ph idx="1"/>
+          </p:nvPr>
+        </p:nvSpPr>
+        <p:spPr/>
+        <p:txBody>
+          <a:bodyPr/>
+          <a:lstStyle/>
+          <a:p>
+            <a:r>
+              <a:rPr lang="en-US" b="1" dirty="0">
                 <a:latin typeface="Times New Roman" panose="02020603050405020304" pitchFamily="18" charset="0"/>
                 <a:cs typeface="Times New Roman" panose="02020603050405020304" pitchFamily="18" charset="0"/>
               </a:rPr>
               <a:t>Retrofit</a:t>
             </a:r>
             <a:r>
-              <a:rPr lang="en-US" dirty="0" smtClean="0"/>
+              <a:rPr lang="en-US" dirty="0"/>
               <a:t> </a:t>
             </a:r>
             <a:r>
@@ -4899,40 +5439,26 @@
                 <a:latin typeface="Times New Roman" panose="02020603050405020304" pitchFamily="18" charset="0"/>
                 <a:cs typeface="Times New Roman" panose="02020603050405020304" pitchFamily="18" charset="0"/>
               </a:rPr>
-              <a:t> developed by Square. The library provides a powerful framework for authenticating and </a:t>
-            </a:r>
-            <a:r>
-              <a:rPr lang="en-US" dirty="0" smtClean="0">
-                <a:latin typeface="Times New Roman" panose="02020603050405020304" pitchFamily="18" charset="0"/>
-                <a:cs typeface="Times New Roman" panose="02020603050405020304" pitchFamily="18" charset="0"/>
-              </a:rPr>
-              <a:t>interacting </a:t>
+              <a:t> developed by Square. The library provides a powerful framework for authenticating and interacting with APIs and sending network requests with </a:t>
+            </a:r>
+            <a:r>
+              <a:rPr lang="en-US" dirty="0" err="1">
+                <a:latin typeface="Times New Roman" panose="02020603050405020304" pitchFamily="18" charset="0"/>
+                <a:cs typeface="Times New Roman" panose="02020603050405020304" pitchFamily="18" charset="0"/>
+              </a:rPr>
+              <a:t>OkHttp</a:t>
             </a:r>
             <a:r>
               <a:rPr lang="en-US" dirty="0">
                 <a:latin typeface="Times New Roman" panose="02020603050405020304" pitchFamily="18" charset="0"/>
                 <a:cs typeface="Times New Roman" panose="02020603050405020304" pitchFamily="18" charset="0"/>
               </a:rPr>
-              <a:t>with APIs and sending network requests with </a:t>
-            </a:r>
-            <a:r>
-              <a:rPr lang="en-US" dirty="0" err="1" smtClean="0">
-                <a:latin typeface="Times New Roman" panose="02020603050405020304" pitchFamily="18" charset="0"/>
-                <a:cs typeface="Times New Roman" panose="02020603050405020304" pitchFamily="18" charset="0"/>
-              </a:rPr>
-              <a:t>OkHttp</a:t>
-            </a:r>
-            <a:r>
-              <a:rPr lang="en-US" dirty="0" smtClean="0">
-                <a:latin typeface="Times New Roman" panose="02020603050405020304" pitchFamily="18" charset="0"/>
-                <a:cs typeface="Times New Roman" panose="02020603050405020304" pitchFamily="18" charset="0"/>
-              </a:rPr>
               <a:t>.</a:t>
             </a:r>
           </a:p>
           <a:p>
             <a:r>
-              <a:rPr lang="en-US" dirty="0" smtClean="0">
+              <a:rPr lang="en-US" dirty="0">
                 <a:latin typeface="Times New Roman" panose="02020603050405020304" pitchFamily="18" charset="0"/>
                 <a:cs typeface="Times New Roman" panose="02020603050405020304" pitchFamily="18" charset="0"/>
               </a:rPr>
@@ -4944,18 +5470,11 @@
               <a:buNone/>
             </a:pPr>
             <a:r>
-              <a:rPr lang="en-US" dirty="0" smtClean="0">
-                <a:latin typeface="Times New Roman" panose="02020603050405020304" pitchFamily="18" charset="0"/>
-                <a:cs typeface="Times New Roman" panose="02020603050405020304" pitchFamily="18" charset="0"/>
-              </a:rPr>
-              <a:t>Syntax</a:t>
-            </a:r>
-            <a:r>
               <a:rPr lang="en-US" dirty="0">
                 <a:latin typeface="Times New Roman" panose="02020603050405020304" pitchFamily="18" charset="0"/>
                 <a:cs typeface="Times New Roman" panose="02020603050405020304" pitchFamily="18" charset="0"/>
               </a:rPr>
-              <a:t>:  Retrofit </a:t>
+              <a:t>Syntax:  Retrofit </a:t>
             </a:r>
             <a:r>
               <a:rPr lang="en-US" dirty="0" err="1">
@@ -4979,7 +5498,7 @@
               <a:t>Retrofit.Builder</a:t>
             </a:r>
             <a:r>
-              <a:rPr lang="en-US" dirty="0" smtClean="0">
+              <a:rPr lang="en-US" dirty="0">
                 <a:latin typeface="Times New Roman" panose="02020603050405020304" pitchFamily="18" charset="0"/>
                 <a:cs typeface="Times New Roman" panose="02020603050405020304" pitchFamily="18" charset="0"/>
               </a:rPr>
@@ -4997,14 +5516,7 @@
                 <a:latin typeface="Times New Roman" panose="02020603050405020304" pitchFamily="18" charset="0"/>
                 <a:cs typeface="Times New Roman" panose="02020603050405020304" pitchFamily="18" charset="0"/>
               </a:rPr>
-              <a:t>(BASE_URL</a:t>
-            </a:r>
-            <a:r>
-              <a:rPr lang="en-US" dirty="0" smtClean="0">
-                <a:latin typeface="Times New Roman" panose="02020603050405020304" pitchFamily="18" charset="0"/>
-                <a:cs typeface="Times New Roman" panose="02020603050405020304" pitchFamily="18" charset="0"/>
-              </a:rPr>
-              <a:t>).</a:t>
+              <a:t>(BASE_URL).</a:t>
             </a:r>
             <a:r>
               <a:rPr lang="en-US" dirty="0" err="1">
@@ -5028,27 +5540,16 @@
               <a:t>GsonConverterFactory.create</a:t>
             </a:r>
             <a:r>
-              <a:rPr lang="en-US" dirty="0" smtClean="0">
-                <a:latin typeface="Times New Roman" panose="02020603050405020304" pitchFamily="18" charset="0"/>
-                <a:cs typeface="Times New Roman" panose="02020603050405020304" pitchFamily="18" charset="0"/>
-              </a:rPr>
-              <a:t>()).</a:t>
-            </a:r>
-            <a:r>
               <a:rPr lang="en-US" dirty="0">
                 <a:latin typeface="Times New Roman" panose="02020603050405020304" pitchFamily="18" charset="0"/>
                 <a:cs typeface="Times New Roman" panose="02020603050405020304" pitchFamily="18" charset="0"/>
               </a:rPr>
-              <a:t>build();</a:t>
-            </a:r>
-            <a:endParaRPr lang="en-US" dirty="0" smtClean="0">
-              <a:latin typeface="Times New Roman" panose="02020603050405020304" pitchFamily="18" charset="0"/>
-              <a:cs typeface="Times New Roman" panose="02020603050405020304" pitchFamily="18" charset="0"/>
-            </a:endParaRPr>
-          </a:p>
-          <a:p>
-            <a:r>
-              <a:rPr lang="en-US" dirty="0" smtClean="0">
+              <a:t>()).build();</a:t>
+            </a:r>
+          </a:p>
+          <a:p>
+            <a:r>
+              <a:rPr lang="en-US" dirty="0">
                 <a:latin typeface="Times New Roman" panose="02020603050405020304" pitchFamily="18" charset="0"/>
                 <a:cs typeface="Times New Roman" panose="02020603050405020304" pitchFamily="18" charset="0"/>
               </a:rPr>
@@ -5060,16 +5561,12 @@
               <a:buNone/>
             </a:pPr>
             <a:r>
-              <a:rPr lang="en-US" dirty="0" smtClean="0">
+              <a:rPr lang="en-US" dirty="0">
                 <a:latin typeface="Times New Roman" panose="02020603050405020304" pitchFamily="18" charset="0"/>
                 <a:cs typeface="Times New Roman" panose="02020603050405020304" pitchFamily="18" charset="0"/>
               </a:rPr>
               <a:t>Syntax: @GET(‘user/{username}’)</a:t>
             </a:r>
-            <a:endParaRPr lang="en-US" dirty="0">
-              <a:latin typeface="Times New Roman" panose="02020603050405020304" pitchFamily="18" charset="0"/>
-              <a:cs typeface="Times New Roman" panose="02020603050405020304" pitchFamily="18" charset="0"/>
-            </a:endParaRPr>
           </a:p>
         </p:txBody>
       </p:sp>
@@ -5270,7 +5767,7 @@
               <a:buNone/>
               <a:tabLst/>
             </a:pPr>
-            <a:endParaRPr kumimoji="0" lang="en-US" altLang="en-US" sz="1200" b="0" i="0" u="none" strike="noStrike" cap="none" normalizeH="0" baseline="0" dirty="0" smtClean="0">
+            <a:endParaRPr kumimoji="0" lang="en-US" altLang="en-US" sz="1200" b="0" i="0" u="none" strike="noStrike" cap="none" normalizeH="0" baseline="0" dirty="0">
               <a:ln>
                 <a:noFill/>
               </a:ln>
@@ -5296,7 +5793,7 @@
 </p:sld>
 </file>
 
-<file path=ppt/slides/slide7.xml><?xml version="1.0" encoding="utf-8"?>
+<file path=ppt/slides/slide9.xml><?xml version="1.0" encoding="utf-8"?>
 <p:sld xmlns:a="http://schemas.openxmlformats.org/drawingml/2006/main" xmlns:r="http://schemas.openxmlformats.org/officeDocument/2006/relationships" xmlns:p="http://schemas.openxmlformats.org/presentationml/2006/main">
   <p:cSld>
     <p:spTree>
@@ -5315,7 +5812,13 @@
       </p:grpSpPr>
       <p:sp>
         <p:nvSpPr>
-          <p:cNvPr id="2" name="Title 1"/>
+          <p:cNvPr id="2" name="Title 1">
+            <a:extLst>
+              <a:ext uri="{FF2B5EF4-FFF2-40B4-BE49-F238E27FC236}">
+                <a16:creationId xmlns:a16="http://schemas.microsoft.com/office/drawing/2014/main" id="{23F4C250-96C5-48A6-91EF-7E851C552B32}"/>
+              </a:ext>
+            </a:extLst>
+          </p:cNvPr>
           <p:cNvSpPr>
             <a:spLocks noGrp="1"/>
           </p:cNvSpPr>
@@ -5328,211 +5831,24 @@
           <a:bodyPr/>
           <a:lstStyle/>
           <a:p>
-            <a:pPr algn="ctr"/>
-            <a:r>
-              <a:rPr lang="en-US" dirty="0" smtClean="0">
-                <a:latin typeface="Times New Roman" panose="02020603050405020304" pitchFamily="18" charset="0"/>
-                <a:cs typeface="Times New Roman" panose="02020603050405020304" pitchFamily="18" charset="0"/>
-              </a:rPr>
-              <a:t>TEXT TO SPEECH</a:t>
-            </a:r>
-            <a:endParaRPr lang="en-US" dirty="0">
-              <a:latin typeface="Times New Roman" panose="02020603050405020304" pitchFamily="18" charset="0"/>
-              <a:cs typeface="Times New Roman" panose="02020603050405020304" pitchFamily="18" charset="0"/>
-            </a:endParaRPr>
-          </a:p>
-        </p:txBody>
-      </p:sp>
-      <p:sp>
-        <p:nvSpPr>
-          <p:cNvPr id="3" name="Content Placeholder 2"/>
-          <p:cNvSpPr>
-            <a:spLocks noGrp="1"/>
-          </p:cNvSpPr>
-          <p:nvPr>
-            <p:ph idx="1"/>
-          </p:nvPr>
-        </p:nvSpPr>
-        <p:spPr/>
-        <p:txBody>
-          <a:bodyPr/>
-          <a:lstStyle/>
-          <a:p>
-            <a:r>
-              <a:rPr lang="en-US" dirty="0" smtClean="0">
-                <a:latin typeface="Times New Roman" panose="02020603050405020304" pitchFamily="18" charset="0"/>
-                <a:cs typeface="Times New Roman" panose="02020603050405020304" pitchFamily="18" charset="0"/>
-              </a:rPr>
-              <a:t>Instance creation and calling </a:t>
-            </a:r>
-            <a:r>
-              <a:rPr lang="en-US" dirty="0" err="1" smtClean="0">
-                <a:latin typeface="Times New Roman" panose="02020603050405020304" pitchFamily="18" charset="0"/>
-                <a:cs typeface="Times New Roman" panose="02020603050405020304" pitchFamily="18" charset="0"/>
-              </a:rPr>
-              <a:t>OnInitListener</a:t>
-            </a:r>
-            <a:r>
-              <a:rPr lang="en-US" dirty="0" smtClean="0">
-                <a:latin typeface="Times New Roman" panose="02020603050405020304" pitchFamily="18" charset="0"/>
-                <a:cs typeface="Times New Roman" panose="02020603050405020304" pitchFamily="18" charset="0"/>
-              </a:rPr>
-              <a:t>.</a:t>
-            </a:r>
-          </a:p>
-          <a:p>
-            <a:r>
-              <a:rPr lang="en-US" dirty="0" smtClean="0">
-                <a:latin typeface="Times New Roman" panose="02020603050405020304" pitchFamily="18" charset="0"/>
-                <a:cs typeface="Times New Roman" panose="02020603050405020304" pitchFamily="18" charset="0"/>
-              </a:rPr>
-              <a:t>Language setting:</a:t>
-            </a:r>
-          </a:p>
-          <a:p>
-            <a:pPr marL="0" indent="0">
-              <a:buNone/>
-            </a:pPr>
-            <a:r>
-              <a:rPr lang="en-US" dirty="0" smtClean="0">
-                <a:latin typeface="Times New Roman" panose="02020603050405020304" pitchFamily="18" charset="0"/>
-                <a:cs typeface="Times New Roman" panose="02020603050405020304" pitchFamily="18" charset="0"/>
-              </a:rPr>
-              <a:t>Syntax: </a:t>
-            </a:r>
-            <a:r>
-              <a:rPr lang="en-US" dirty="0" err="1">
-                <a:latin typeface="Times New Roman" panose="02020603050405020304" pitchFamily="18" charset="0"/>
-                <a:cs typeface="Times New Roman" panose="02020603050405020304" pitchFamily="18" charset="0"/>
-              </a:rPr>
-              <a:t>object.setLanguage</a:t>
-            </a:r>
-            <a:r>
-              <a:rPr lang="en-US" dirty="0">
-                <a:latin typeface="Times New Roman" panose="02020603050405020304" pitchFamily="18" charset="0"/>
-                <a:cs typeface="Times New Roman" panose="02020603050405020304" pitchFamily="18" charset="0"/>
-              </a:rPr>
-              <a:t>(Local.UK</a:t>
-            </a:r>
-            <a:r>
-              <a:rPr lang="en-US" dirty="0" smtClean="0">
-                <a:latin typeface="Times New Roman" panose="02020603050405020304" pitchFamily="18" charset="0"/>
-                <a:cs typeface="Times New Roman" panose="02020603050405020304" pitchFamily="18" charset="0"/>
-              </a:rPr>
-              <a:t>);</a:t>
-            </a:r>
-          </a:p>
-          <a:p>
-            <a:pPr>
-              <a:buFont typeface="Wingdings" panose="05000000000000000000" pitchFamily="2" charset="2"/>
-              <a:buChar char="§"/>
-            </a:pPr>
-            <a:r>
-              <a:rPr lang="en-US" dirty="0" smtClean="0">
-                <a:latin typeface="Times New Roman" panose="02020603050405020304" pitchFamily="18" charset="0"/>
-                <a:cs typeface="Times New Roman" panose="02020603050405020304" pitchFamily="18" charset="0"/>
-              </a:rPr>
-              <a:t>Speak method calling</a:t>
-            </a:r>
-          </a:p>
-          <a:p>
-            <a:pPr marL="0" indent="0">
-              <a:buNone/>
-            </a:pPr>
-            <a:r>
-              <a:rPr lang="en-US" dirty="0">
-                <a:latin typeface="Times New Roman" panose="02020603050405020304" pitchFamily="18" charset="0"/>
-                <a:cs typeface="Times New Roman" panose="02020603050405020304" pitchFamily="18" charset="0"/>
-              </a:rPr>
-              <a:t>Syntax: </a:t>
-            </a:r>
-            <a:r>
-              <a:rPr lang="en-US" dirty="0" err="1">
-                <a:latin typeface="Times New Roman" panose="02020603050405020304" pitchFamily="18" charset="0"/>
-                <a:cs typeface="Times New Roman" panose="02020603050405020304" pitchFamily="18" charset="0"/>
-              </a:rPr>
-              <a:t>ttobj.speak</a:t>
-            </a:r>
-            <a:r>
-              <a:rPr lang="en-US" dirty="0">
-                <a:latin typeface="Times New Roman" panose="02020603050405020304" pitchFamily="18" charset="0"/>
-                <a:cs typeface="Times New Roman" panose="02020603050405020304" pitchFamily="18" charset="0"/>
-              </a:rPr>
-              <a:t>(</a:t>
-            </a:r>
-            <a:r>
-              <a:rPr lang="en-US" dirty="0" err="1">
-                <a:latin typeface="Times New Roman" panose="02020603050405020304" pitchFamily="18" charset="0"/>
-                <a:cs typeface="Times New Roman" panose="02020603050405020304" pitchFamily="18" charset="0"/>
-              </a:rPr>
-              <a:t>toSpeak</a:t>
-            </a:r>
-            <a:r>
-              <a:rPr lang="en-US" dirty="0">
-                <a:latin typeface="Times New Roman" panose="02020603050405020304" pitchFamily="18" charset="0"/>
-                <a:cs typeface="Times New Roman" panose="02020603050405020304" pitchFamily="18" charset="0"/>
-              </a:rPr>
-              <a:t>, </a:t>
-            </a:r>
-            <a:r>
-              <a:rPr lang="en-US" dirty="0" err="1">
-                <a:latin typeface="Times New Roman" panose="02020603050405020304" pitchFamily="18" charset="0"/>
-                <a:cs typeface="Times New Roman" panose="02020603050405020304" pitchFamily="18" charset="0"/>
-              </a:rPr>
-              <a:t>TextToSpeech.QUEUE_FLUSH</a:t>
-            </a:r>
-            <a:r>
-              <a:rPr lang="en-US" dirty="0">
-                <a:latin typeface="Times New Roman" panose="02020603050405020304" pitchFamily="18" charset="0"/>
-                <a:cs typeface="Times New Roman" panose="02020603050405020304" pitchFamily="18" charset="0"/>
-              </a:rPr>
-              <a:t>, null);</a:t>
-            </a:r>
-            <a:endParaRPr lang="en-US" dirty="0" smtClean="0">
-              <a:latin typeface="Times New Roman" panose="02020603050405020304" pitchFamily="18" charset="0"/>
-              <a:cs typeface="Times New Roman" panose="02020603050405020304" pitchFamily="18" charset="0"/>
-            </a:endParaRPr>
-          </a:p>
-        </p:txBody>
-      </p:sp>
-    </p:spTree>
-    <p:extLst>
-      <p:ext uri="{BB962C8B-B14F-4D97-AF65-F5344CB8AC3E}">
-        <p14:creationId xmlns:p14="http://schemas.microsoft.com/office/powerpoint/2010/main" val="712481489"/>
-      </p:ext>
-    </p:extLst>
-  </p:cSld>
-  <p:clrMapOvr>
-    <a:masterClrMapping/>
-  </p:clrMapOvr>
-</p:sld>
-</file>
-
-<file path=ppt/slides/slide8.xml><?xml version="1.0" encoding="utf-8"?>
-<p:sld xmlns:a="http://schemas.openxmlformats.org/drawingml/2006/main" xmlns:r="http://schemas.openxmlformats.org/officeDocument/2006/relationships" xmlns:p="http://schemas.openxmlformats.org/presentationml/2006/main">
-  <p:cSld>
-    <p:spTree>
-      <p:nvGrpSpPr>
-        <p:cNvPr id="1" name=""/>
-        <p:cNvGrpSpPr/>
-        <p:nvPr/>
-      </p:nvGrpSpPr>
-      <p:grpSpPr>
-        <a:xfrm>
-          <a:off x="0" y="0"/>
-          <a:ext cx="0" cy="0"/>
-          <a:chOff x="0" y="0"/>
-          <a:chExt cx="0" cy="0"/>
-        </a:xfrm>
-      </p:grpSpPr>
+            <a:endParaRPr lang="en-US" dirty="0"/>
+          </a:p>
+        </p:txBody>
+      </p:sp>
       <p:pic>
         <p:nvPicPr>
-          <p:cNvPr id="7" name="Picture Placeholder 6"/>
+          <p:cNvPr id="6" name="Content Placeholder 5">
+            <a:extLst>
+              <a:ext uri="{FF2B5EF4-FFF2-40B4-BE49-F238E27FC236}">
+                <a16:creationId xmlns:a16="http://schemas.microsoft.com/office/drawing/2014/main" id="{0FE84A2D-5D62-4C0D-904B-86149673C5B7}"/>
+              </a:ext>
+            </a:extLst>
+          </p:cNvPr>
           <p:cNvPicPr>
             <a:picLocks noGrp="1" noChangeAspect="1"/>
           </p:cNvPicPr>
           <p:nvPr>
-            <p:ph type="pic" idx="1"/>
+            <p:ph idx="1"/>
           </p:nvPr>
         </p:nvPicPr>
         <p:blipFill>
@@ -5543,35 +5859,29 @@
               </a:ext>
             </a:extLst>
           </a:blip>
-          <a:srcRect t="12878" b="12878"/>
+          <a:srcRect/>
           <a:stretch>
             <a:fillRect/>
           </a:stretch>
         </p:blipFill>
         <p:spPr bwMode="auto">
           <a:xfrm>
-            <a:off x="574695" y="1759131"/>
-            <a:ext cx="11290859" cy="3557252"/>
+            <a:off x="5268396" y="2181225"/>
+            <a:ext cx="1655207" cy="3678238"/>
           </a:xfrm>
           <a:prstGeom prst="rect">
             <a:avLst/>
           </a:prstGeom>
           <a:noFill/>
-          <a:extLst>
-            <a:ext uri="{909E8E84-426E-40DD-AFC4-6F175D3DCCD1}">
-              <a14:hiddenFill xmlns:a14="http://schemas.microsoft.com/office/drawing/2010/main">
-                <a:solidFill>
-                  <a:srgbClr val="FFFFFF"/>
-                </a:solidFill>
-              </a14:hiddenFill>
-            </a:ext>
-          </a:extLst>
+          <a:ln>
+            <a:noFill/>
+          </a:ln>
         </p:spPr>
       </p:pic>
     </p:spTree>
     <p:extLst>
       <p:ext uri="{BB962C8B-B14F-4D97-AF65-F5344CB8AC3E}">
-        <p14:creationId xmlns:p14="http://schemas.microsoft.com/office/powerpoint/2010/main" val="1273118520"/>
+        <p14:creationId xmlns:p14="http://schemas.microsoft.com/office/powerpoint/2010/main" val="2371174242"/>
       </p:ext>
     </p:extLst>
   </p:cSld>
